--- a/make_presentation/templates/templates/classic/_49.pptx
+++ b/make_presentation/templates/templates/classic/_49.pptx
@@ -340,7 +340,7 @@
             <a:pPr algn="r">
               <a:buNone/>
             </a:pPr>
-            <a:fld id="{F5988737-2E1B-4C24-B296-F01E9BF67C71}" type="slidenum">
+            <a:fld id="{AB2522A4-1582-41F8-8C64-0AD78B39286B}" type="slidenum">
               <a:rPr b="0" lang="en-US" sz="1400" spc="-1" strike="noStrike">
                 <a:latin typeface="Times New Roman"/>
               </a:rPr>
@@ -388,7 +388,7 @@
         <p:spPr>
           <a:xfrm>
             <a:off x="380880" y="685800"/>
-            <a:ext cx="6090480" cy="3423600"/>
+            <a:ext cx="6090120" cy="3423240"/>
           </a:xfrm>
           <a:prstGeom prst="rect">
             <a:avLst/>
@@ -411,7 +411,7 @@
         <p:spPr>
           <a:xfrm>
             <a:off x="685800" y="4343400"/>
-            <a:ext cx="5481000" cy="4109400"/>
+            <a:ext cx="5480640" cy="4109040"/>
           </a:xfrm>
           <a:prstGeom prst="rect">
             <a:avLst/>
@@ -445,7 +445,7 @@
         <p:spPr>
           <a:xfrm>
             <a:off x="3884760" y="8685360"/>
-            <a:ext cx="2966400" cy="451800"/>
+            <a:ext cx="2966040" cy="451440"/>
           </a:xfrm>
           <a:prstGeom prst="rect">
             <a:avLst/>
@@ -481,7 +481,7 @@
               </a:lnSpc>
               <a:buNone/>
             </a:pPr>
-            <a:fld id="{8CCFDAF1-83DD-4B12-BB6F-602B13A0270C}" type="slidenum">
+            <a:fld id="{F4E5B489-69F2-49D7-828F-A50938263D84}" type="slidenum">
               <a:rPr b="0" lang="en-US" sz="1200" spc="-1" strike="noStrike">
                 <a:solidFill>
                   <a:srgbClr val="000000"/>
@@ -532,7 +532,7 @@
         <p:spPr>
           <a:xfrm>
             <a:off x="380880" y="685800"/>
-            <a:ext cx="6090480" cy="3423600"/>
+            <a:ext cx="6090120" cy="3423240"/>
           </a:xfrm>
           <a:prstGeom prst="rect">
             <a:avLst/>
@@ -555,7 +555,7 @@
         <p:spPr>
           <a:xfrm>
             <a:off x="685800" y="4343400"/>
-            <a:ext cx="5481000" cy="4109400"/>
+            <a:ext cx="5480640" cy="4109040"/>
           </a:xfrm>
           <a:prstGeom prst="rect">
             <a:avLst/>
@@ -589,7 +589,7 @@
         <p:spPr>
           <a:xfrm>
             <a:off x="3884760" y="8685360"/>
-            <a:ext cx="2966400" cy="451800"/>
+            <a:ext cx="2966040" cy="451440"/>
           </a:xfrm>
           <a:prstGeom prst="rect">
             <a:avLst/>
@@ -625,7 +625,7 @@
               </a:lnSpc>
               <a:buNone/>
             </a:pPr>
-            <a:fld id="{4E972B83-5A18-49FB-9D86-BB998ABA7B63}" type="slidenum">
+            <a:fld id="{46179D83-B619-48A0-9143-664CE143EE3C}" type="slidenum">
               <a:rPr b="0" lang="en-US" sz="1200" spc="-1" strike="noStrike">
                 <a:solidFill>
                   <a:srgbClr val="000000"/>
@@ -676,7 +676,7 @@
         <p:spPr>
           <a:xfrm>
             <a:off x="380880" y="685800"/>
-            <a:ext cx="6090480" cy="3423600"/>
+            <a:ext cx="6090120" cy="3423240"/>
           </a:xfrm>
           <a:prstGeom prst="rect">
             <a:avLst/>
@@ -699,7 +699,7 @@
         <p:spPr>
           <a:xfrm>
             <a:off x="685800" y="4343400"/>
-            <a:ext cx="5481000" cy="4109400"/>
+            <a:ext cx="5480640" cy="4109040"/>
           </a:xfrm>
           <a:prstGeom prst="rect">
             <a:avLst/>
@@ -733,7 +733,7 @@
         <p:spPr>
           <a:xfrm>
             <a:off x="3884760" y="8685360"/>
-            <a:ext cx="2966400" cy="451800"/>
+            <a:ext cx="2966040" cy="451440"/>
           </a:xfrm>
           <a:prstGeom prst="rect">
             <a:avLst/>
@@ -769,7 +769,7 @@
               </a:lnSpc>
               <a:buNone/>
             </a:pPr>
-            <a:fld id="{2DD82C09-63C0-4C3A-ADBC-2DF42CCAFA8D}" type="slidenum">
+            <a:fld id="{14339DAC-320F-44EC-955B-9E0BDB4620DA}" type="slidenum">
               <a:rPr b="0" lang="en-US" sz="1200" spc="-1" strike="noStrike">
                 <a:solidFill>
                   <a:srgbClr val="000000"/>
@@ -820,7 +820,7 @@
         <p:spPr>
           <a:xfrm>
             <a:off x="380880" y="685800"/>
-            <a:ext cx="6090480" cy="3423600"/>
+            <a:ext cx="6090120" cy="3423240"/>
           </a:xfrm>
           <a:prstGeom prst="rect">
             <a:avLst/>
@@ -843,7 +843,7 @@
         <p:spPr>
           <a:xfrm>
             <a:off x="685800" y="4343400"/>
-            <a:ext cx="5481000" cy="4109400"/>
+            <a:ext cx="5480640" cy="4109040"/>
           </a:xfrm>
           <a:prstGeom prst="rect">
             <a:avLst/>
@@ -877,7 +877,7 @@
         <p:spPr>
           <a:xfrm>
             <a:off x="3884760" y="8685360"/>
-            <a:ext cx="2966400" cy="451800"/>
+            <a:ext cx="2966040" cy="451440"/>
           </a:xfrm>
           <a:prstGeom prst="rect">
             <a:avLst/>
@@ -913,7 +913,7 @@
               </a:lnSpc>
               <a:buNone/>
             </a:pPr>
-            <a:fld id="{1EF333E9-D4F0-4B52-B83C-1E2A27ED5A73}" type="slidenum">
+            <a:fld id="{AF3A0723-1EC5-4E4E-9EF6-266A22B86B84}" type="slidenum">
               <a:rPr b="0" lang="en-US" sz="1200" spc="-1" strike="noStrike">
                 <a:solidFill>
                   <a:srgbClr val="000000"/>
@@ -964,7 +964,7 @@
         <p:spPr>
           <a:xfrm>
             <a:off x="380880" y="685800"/>
-            <a:ext cx="6090480" cy="3423600"/>
+            <a:ext cx="6090120" cy="3423240"/>
           </a:xfrm>
           <a:prstGeom prst="rect">
             <a:avLst/>
@@ -987,7 +987,7 @@
         <p:spPr>
           <a:xfrm>
             <a:off x="685800" y="4343400"/>
-            <a:ext cx="5481000" cy="4109400"/>
+            <a:ext cx="5480640" cy="4109040"/>
           </a:xfrm>
           <a:prstGeom prst="rect">
             <a:avLst/>
@@ -1021,7 +1021,7 @@
         <p:spPr>
           <a:xfrm>
             <a:off x="3884760" y="8685360"/>
-            <a:ext cx="2966400" cy="451800"/>
+            <a:ext cx="2966040" cy="451440"/>
           </a:xfrm>
           <a:prstGeom prst="rect">
             <a:avLst/>
@@ -1057,7 +1057,7 @@
               </a:lnSpc>
               <a:buNone/>
             </a:pPr>
-            <a:fld id="{5E6BD50F-4401-47D7-90C8-6AB04084144A}" type="slidenum">
+            <a:fld id="{533C1F82-1248-4524-925F-CE62DC4E4D7A}" type="slidenum">
               <a:rPr b="0" lang="en-US" sz="1200" spc="-1" strike="noStrike">
                 <a:solidFill>
                   <a:srgbClr val="000000"/>
@@ -1108,7 +1108,7 @@
         <p:spPr>
           <a:xfrm>
             <a:off x="380880" y="685800"/>
-            <a:ext cx="6090480" cy="3423600"/>
+            <a:ext cx="6090120" cy="3423240"/>
           </a:xfrm>
           <a:prstGeom prst="rect">
             <a:avLst/>
@@ -1131,7 +1131,7 @@
         <p:spPr>
           <a:xfrm>
             <a:off x="685800" y="4343400"/>
-            <a:ext cx="5481000" cy="4109400"/>
+            <a:ext cx="5480640" cy="4109040"/>
           </a:xfrm>
           <a:prstGeom prst="rect">
             <a:avLst/>
@@ -1165,7 +1165,7 @@
         <p:spPr>
           <a:xfrm>
             <a:off x="3884760" y="8685360"/>
-            <a:ext cx="2966400" cy="451800"/>
+            <a:ext cx="2966040" cy="451440"/>
           </a:xfrm>
           <a:prstGeom prst="rect">
             <a:avLst/>
@@ -1201,7 +1201,7 @@
               </a:lnSpc>
               <a:buNone/>
             </a:pPr>
-            <a:fld id="{5C1DC996-A194-4ABC-897D-1F78AFB538C3}" type="slidenum">
+            <a:fld id="{04393B64-8C62-43F5-A8B7-D953FE49920A}" type="slidenum">
               <a:rPr b="0" lang="en-US" sz="1200" spc="-1" strike="noStrike">
                 <a:solidFill>
                   <a:srgbClr val="000000"/>
@@ -1252,7 +1252,7 @@
         <p:spPr>
           <a:xfrm>
             <a:off x="380880" y="685800"/>
-            <a:ext cx="6090480" cy="3423600"/>
+            <a:ext cx="6090120" cy="3423240"/>
           </a:xfrm>
           <a:prstGeom prst="rect">
             <a:avLst/>
@@ -1275,7 +1275,7 @@
         <p:spPr>
           <a:xfrm>
             <a:off x="685800" y="4343400"/>
-            <a:ext cx="5481000" cy="4109400"/>
+            <a:ext cx="5480640" cy="4109040"/>
           </a:xfrm>
           <a:prstGeom prst="rect">
             <a:avLst/>
@@ -1309,7 +1309,7 @@
         <p:spPr>
           <a:xfrm>
             <a:off x="3884760" y="8685360"/>
-            <a:ext cx="2966400" cy="451800"/>
+            <a:ext cx="2966040" cy="451440"/>
           </a:xfrm>
           <a:prstGeom prst="rect">
             <a:avLst/>
@@ -1345,7 +1345,7 @@
               </a:lnSpc>
               <a:buNone/>
             </a:pPr>
-            <a:fld id="{B4623224-EE61-4BE1-81F0-3DA6D8F8D630}" type="slidenum">
+            <a:fld id="{C5B580BE-C3B9-456F-9946-2E91587D668E}" type="slidenum">
               <a:rPr b="0" lang="en-US" sz="1200" spc="-1" strike="noStrike">
                 <a:solidFill>
                   <a:srgbClr val="000000"/>
@@ -1396,7 +1396,7 @@
         <p:spPr>
           <a:xfrm>
             <a:off x="380880" y="685800"/>
-            <a:ext cx="6090480" cy="3423600"/>
+            <a:ext cx="6090120" cy="3423240"/>
           </a:xfrm>
           <a:prstGeom prst="rect">
             <a:avLst/>
@@ -1419,7 +1419,7 @@
         <p:spPr>
           <a:xfrm>
             <a:off x="685800" y="4343400"/>
-            <a:ext cx="5481000" cy="4109400"/>
+            <a:ext cx="5480640" cy="4109040"/>
           </a:xfrm>
           <a:prstGeom prst="rect">
             <a:avLst/>
@@ -1453,7 +1453,7 @@
         <p:spPr>
           <a:xfrm>
             <a:off x="3884760" y="8685360"/>
-            <a:ext cx="2966400" cy="451800"/>
+            <a:ext cx="2966040" cy="451440"/>
           </a:xfrm>
           <a:prstGeom prst="rect">
             <a:avLst/>
@@ -1489,7 +1489,7 @@
               </a:lnSpc>
               <a:buNone/>
             </a:pPr>
-            <a:fld id="{25AA5A98-5C27-4436-A745-92C8C8CF5D04}" type="slidenum">
+            <a:fld id="{B35D79FE-5109-4514-B343-32FF79371C8E}" type="slidenum">
               <a:rPr b="0" lang="en-US" sz="1200" spc="-1" strike="noStrike">
                 <a:solidFill>
                   <a:srgbClr val="000000"/>
@@ -1540,7 +1540,7 @@
         <p:spPr>
           <a:xfrm>
             <a:off x="380880" y="685800"/>
-            <a:ext cx="6090480" cy="3423600"/>
+            <a:ext cx="6090120" cy="3423240"/>
           </a:xfrm>
           <a:prstGeom prst="rect">
             <a:avLst/>
@@ -1563,7 +1563,7 @@
         <p:spPr>
           <a:xfrm>
             <a:off x="685800" y="4343400"/>
-            <a:ext cx="5481000" cy="4109400"/>
+            <a:ext cx="5480640" cy="4109040"/>
           </a:xfrm>
           <a:prstGeom prst="rect">
             <a:avLst/>
@@ -1597,7 +1597,7 @@
         <p:spPr>
           <a:xfrm>
             <a:off x="3884760" y="8685360"/>
-            <a:ext cx="2966400" cy="451800"/>
+            <a:ext cx="2966040" cy="451440"/>
           </a:xfrm>
           <a:prstGeom prst="rect">
             <a:avLst/>
@@ -1633,7 +1633,7 @@
               </a:lnSpc>
               <a:buNone/>
             </a:pPr>
-            <a:fld id="{4CD90C56-12FE-45A6-B662-937159F71962}" type="slidenum">
+            <a:fld id="{8D457328-E0B6-4413-94FF-C1BF96850972}" type="slidenum">
               <a:rPr b="0" lang="en-US" sz="1200" spc="-1" strike="noStrike">
                 <a:solidFill>
                   <a:srgbClr val="000000"/>
@@ -1684,7 +1684,7 @@
         <p:spPr>
           <a:xfrm>
             <a:off x="380880" y="685800"/>
-            <a:ext cx="6090480" cy="3423600"/>
+            <a:ext cx="6090120" cy="3423240"/>
           </a:xfrm>
           <a:prstGeom prst="rect">
             <a:avLst/>
@@ -1707,7 +1707,7 @@
         <p:spPr>
           <a:xfrm>
             <a:off x="685800" y="4343400"/>
-            <a:ext cx="5481000" cy="4109400"/>
+            <a:ext cx="5480640" cy="4109040"/>
           </a:xfrm>
           <a:prstGeom prst="rect">
             <a:avLst/>
@@ -1741,7 +1741,7 @@
         <p:spPr>
           <a:xfrm>
             <a:off x="3884760" y="8685360"/>
-            <a:ext cx="2966400" cy="451800"/>
+            <a:ext cx="2966040" cy="451440"/>
           </a:xfrm>
           <a:prstGeom prst="rect">
             <a:avLst/>
@@ -1777,7 +1777,7 @@
               </a:lnSpc>
               <a:buNone/>
             </a:pPr>
-            <a:fld id="{A04F8231-1D3B-4AF3-98C6-1F76FCD0C495}" type="slidenum">
+            <a:fld id="{BBE84357-0A63-4EBB-87C8-928C8D5655AE}" type="slidenum">
               <a:rPr b="0" lang="en-US" sz="1200" spc="-1" strike="noStrike">
                 <a:solidFill>
                   <a:srgbClr val="000000"/>
@@ -1828,7 +1828,7 @@
         <p:spPr>
           <a:xfrm>
             <a:off x="380880" y="685800"/>
-            <a:ext cx="6090480" cy="3423600"/>
+            <a:ext cx="6090120" cy="3423240"/>
           </a:xfrm>
           <a:prstGeom prst="rect">
             <a:avLst/>
@@ -1851,7 +1851,7 @@
         <p:spPr>
           <a:xfrm>
             <a:off x="685800" y="4343400"/>
-            <a:ext cx="5481000" cy="4109400"/>
+            <a:ext cx="5480640" cy="4109040"/>
           </a:xfrm>
           <a:prstGeom prst="rect">
             <a:avLst/>
@@ -1885,7 +1885,7 @@
         <p:spPr>
           <a:xfrm>
             <a:off x="3884760" y="8685360"/>
-            <a:ext cx="2966400" cy="451800"/>
+            <a:ext cx="2966040" cy="451440"/>
           </a:xfrm>
           <a:prstGeom prst="rect">
             <a:avLst/>
@@ -1921,7 +1921,7 @@
               </a:lnSpc>
               <a:buNone/>
             </a:pPr>
-            <a:fld id="{CC82762A-5803-4694-9665-1F9C07412634}" type="slidenum">
+            <a:fld id="{E6BCDE20-5131-4EDD-A809-F37ED647923C}" type="slidenum">
               <a:rPr b="0" lang="en-US" sz="1200" spc="-1" strike="noStrike">
                 <a:solidFill>
                   <a:srgbClr val="000000"/>
@@ -1972,7 +1972,7 @@
         <p:spPr>
           <a:xfrm>
             <a:off x="380880" y="685800"/>
-            <a:ext cx="6090480" cy="3423600"/>
+            <a:ext cx="6090120" cy="3423240"/>
           </a:xfrm>
           <a:prstGeom prst="rect">
             <a:avLst/>
@@ -1995,7 +1995,7 @@
         <p:spPr>
           <a:xfrm>
             <a:off x="685800" y="4343400"/>
-            <a:ext cx="5481000" cy="4109400"/>
+            <a:ext cx="5480640" cy="4109040"/>
           </a:xfrm>
           <a:prstGeom prst="rect">
             <a:avLst/>
@@ -2029,7 +2029,7 @@
         <p:spPr>
           <a:xfrm>
             <a:off x="3884760" y="8685360"/>
-            <a:ext cx="2966400" cy="451800"/>
+            <a:ext cx="2966040" cy="451440"/>
           </a:xfrm>
           <a:prstGeom prst="rect">
             <a:avLst/>
@@ -2065,7 +2065,7 @@
               </a:lnSpc>
               <a:buNone/>
             </a:pPr>
-            <a:fld id="{51D94B4C-83E3-467A-AF7E-9743BE3E3152}" type="slidenum">
+            <a:fld id="{24D0035D-C69B-4171-BEF0-46F5F68A7B91}" type="slidenum">
               <a:rPr b="0" lang="en-US" sz="1200" spc="-1" strike="noStrike">
                 <a:solidFill>
                   <a:srgbClr val="000000"/>
@@ -2116,7 +2116,7 @@
         <p:spPr>
           <a:xfrm>
             <a:off x="380880" y="685800"/>
-            <a:ext cx="6090480" cy="3423600"/>
+            <a:ext cx="6090120" cy="3423240"/>
           </a:xfrm>
           <a:prstGeom prst="rect">
             <a:avLst/>
@@ -2139,7 +2139,7 @@
         <p:spPr>
           <a:xfrm>
             <a:off x="685800" y="4343400"/>
-            <a:ext cx="5481000" cy="4109400"/>
+            <a:ext cx="5480640" cy="4109040"/>
           </a:xfrm>
           <a:prstGeom prst="rect">
             <a:avLst/>
@@ -2173,7 +2173,7 @@
         <p:spPr>
           <a:xfrm>
             <a:off x="3884760" y="8685360"/>
-            <a:ext cx="2966400" cy="451800"/>
+            <a:ext cx="2966040" cy="451440"/>
           </a:xfrm>
           <a:prstGeom prst="rect">
             <a:avLst/>
@@ -2209,7 +2209,7 @@
               </a:lnSpc>
               <a:buNone/>
             </a:pPr>
-            <a:fld id="{7646905B-82FC-44FC-92A1-545F1203C4F2}" type="slidenum">
+            <a:fld id="{2783D364-BEBA-45C0-B7C1-9559276C4184}" type="slidenum">
               <a:rPr b="0" lang="en-US" sz="1200" spc="-1" strike="noStrike">
                 <a:solidFill>
                   <a:srgbClr val="000000"/>
@@ -2260,7 +2260,7 @@
         <p:spPr>
           <a:xfrm>
             <a:off x="380880" y="685800"/>
-            <a:ext cx="6090480" cy="3423600"/>
+            <a:ext cx="6090120" cy="3423240"/>
           </a:xfrm>
           <a:prstGeom prst="rect">
             <a:avLst/>
@@ -2283,7 +2283,7 @@
         <p:spPr>
           <a:xfrm>
             <a:off x="685800" y="4343400"/>
-            <a:ext cx="5481000" cy="4109400"/>
+            <a:ext cx="5480640" cy="4109040"/>
           </a:xfrm>
           <a:prstGeom prst="rect">
             <a:avLst/>
@@ -2317,7 +2317,7 @@
         <p:spPr>
           <a:xfrm>
             <a:off x="3884760" y="8685360"/>
-            <a:ext cx="2966400" cy="451800"/>
+            <a:ext cx="2966040" cy="451440"/>
           </a:xfrm>
           <a:prstGeom prst="rect">
             <a:avLst/>
@@ -2353,7 +2353,7 @@
               </a:lnSpc>
               <a:buNone/>
             </a:pPr>
-            <a:fld id="{9810C5BA-31EC-4A5B-8695-CA123B92D983}" type="slidenum">
+            <a:fld id="{F7A3D442-2EF0-4A9A-96FD-9FC8A21D1AD9}" type="slidenum">
               <a:rPr b="0" lang="en-US" sz="1200" spc="-1" strike="noStrike">
                 <a:solidFill>
                   <a:srgbClr val="000000"/>
@@ -2404,7 +2404,7 @@
         <p:spPr>
           <a:xfrm>
             <a:off x="380880" y="685800"/>
-            <a:ext cx="6090480" cy="3423600"/>
+            <a:ext cx="6090120" cy="3423240"/>
           </a:xfrm>
           <a:prstGeom prst="rect">
             <a:avLst/>
@@ -2427,7 +2427,7 @@
         <p:spPr>
           <a:xfrm>
             <a:off x="685800" y="4343400"/>
-            <a:ext cx="5481000" cy="4109400"/>
+            <a:ext cx="5480640" cy="4109040"/>
           </a:xfrm>
           <a:prstGeom prst="rect">
             <a:avLst/>
@@ -2461,7 +2461,7 @@
         <p:spPr>
           <a:xfrm>
             <a:off x="3884760" y="8685360"/>
-            <a:ext cx="2966400" cy="451800"/>
+            <a:ext cx="2966040" cy="451440"/>
           </a:xfrm>
           <a:prstGeom prst="rect">
             <a:avLst/>
@@ -2497,7 +2497,7 @@
               </a:lnSpc>
               <a:buNone/>
             </a:pPr>
-            <a:fld id="{1E606337-0CF1-4BE6-9BB1-10EE27B336F9}" type="slidenum">
+            <a:fld id="{9015115F-8EA4-4C73-9947-A05CB4599375}" type="slidenum">
               <a:rPr b="0" lang="en-US" sz="1200" spc="-1" strike="noStrike">
                 <a:solidFill>
                   <a:srgbClr val="000000"/>
@@ -2548,7 +2548,7 @@
         <p:spPr>
           <a:xfrm>
             <a:off x="380880" y="685800"/>
-            <a:ext cx="6090480" cy="3423600"/>
+            <a:ext cx="6090120" cy="3423240"/>
           </a:xfrm>
           <a:prstGeom prst="rect">
             <a:avLst/>
@@ -2571,7 +2571,7 @@
         <p:spPr>
           <a:xfrm>
             <a:off x="685800" y="4343400"/>
-            <a:ext cx="5481000" cy="4109400"/>
+            <a:ext cx="5480640" cy="4109040"/>
           </a:xfrm>
           <a:prstGeom prst="rect">
             <a:avLst/>
@@ -2605,7 +2605,7 @@
         <p:spPr>
           <a:xfrm>
             <a:off x="3884760" y="8685360"/>
-            <a:ext cx="2966400" cy="451800"/>
+            <a:ext cx="2966040" cy="451440"/>
           </a:xfrm>
           <a:prstGeom prst="rect">
             <a:avLst/>
@@ -2641,7 +2641,7 @@
               </a:lnSpc>
               <a:buNone/>
             </a:pPr>
-            <a:fld id="{D27FAD6E-30A0-48C2-8221-A35931CEE9BC}" type="slidenum">
+            <a:fld id="{884F437D-9F74-4C34-AE44-69FE781744DB}" type="slidenum">
               <a:rPr b="0" lang="en-US" sz="1200" spc="-1" strike="noStrike">
                 <a:solidFill>
                   <a:srgbClr val="000000"/>
@@ -2692,7 +2692,7 @@
         <p:spPr>
           <a:xfrm>
             <a:off x="380880" y="685800"/>
-            <a:ext cx="6090480" cy="3423600"/>
+            <a:ext cx="6090120" cy="3423240"/>
           </a:xfrm>
           <a:prstGeom prst="rect">
             <a:avLst/>
@@ -2715,7 +2715,7 @@
         <p:spPr>
           <a:xfrm>
             <a:off x="685800" y="4343400"/>
-            <a:ext cx="5481000" cy="4109400"/>
+            <a:ext cx="5480640" cy="4109040"/>
           </a:xfrm>
           <a:prstGeom prst="rect">
             <a:avLst/>
@@ -2749,7 +2749,7 @@
         <p:spPr>
           <a:xfrm>
             <a:off x="3884760" y="8685360"/>
-            <a:ext cx="2966400" cy="451800"/>
+            <a:ext cx="2966040" cy="451440"/>
           </a:xfrm>
           <a:prstGeom prst="rect">
             <a:avLst/>
@@ -2785,7 +2785,7 @@
               </a:lnSpc>
               <a:buNone/>
             </a:pPr>
-            <a:fld id="{0C78130F-7276-42D5-98BF-C25BD323D689}" type="slidenum">
+            <a:fld id="{768C6D16-07CB-4D92-88F2-0EFCFFDEDD72}" type="slidenum">
               <a:rPr b="0" lang="en-US" sz="1200" spc="-1" strike="noStrike">
                 <a:solidFill>
                   <a:srgbClr val="000000"/>
@@ -2836,7 +2836,7 @@
         <p:spPr>
           <a:xfrm>
             <a:off x="380880" y="685800"/>
-            <a:ext cx="6090480" cy="3423600"/>
+            <a:ext cx="6090120" cy="3423240"/>
           </a:xfrm>
           <a:prstGeom prst="rect">
             <a:avLst/>
@@ -2859,7 +2859,7 @@
         <p:spPr>
           <a:xfrm>
             <a:off x="685800" y="4343400"/>
-            <a:ext cx="5481000" cy="4109400"/>
+            <a:ext cx="5480640" cy="4109040"/>
           </a:xfrm>
           <a:prstGeom prst="rect">
             <a:avLst/>
@@ -2893,7 +2893,7 @@
         <p:spPr>
           <a:xfrm>
             <a:off x="3884760" y="8685360"/>
-            <a:ext cx="2966400" cy="451800"/>
+            <a:ext cx="2966040" cy="451440"/>
           </a:xfrm>
           <a:prstGeom prst="rect">
             <a:avLst/>
@@ -2929,7 +2929,7 @@
               </a:lnSpc>
               <a:buNone/>
             </a:pPr>
-            <a:fld id="{DFC582AC-A5BC-46DA-B591-D7706BBC8DF9}" type="slidenum">
+            <a:fld id="{0FA50AA2-1F2C-4F53-9281-C9BEDCB49B09}" type="slidenum">
               <a:rPr b="0" lang="en-US" sz="1200" spc="-1" strike="noStrike">
                 <a:solidFill>
                   <a:srgbClr val="000000"/>
@@ -2980,7 +2980,7 @@
         <p:spPr>
           <a:xfrm>
             <a:off x="380880" y="685800"/>
-            <a:ext cx="6090480" cy="3423600"/>
+            <a:ext cx="6090120" cy="3423240"/>
           </a:xfrm>
           <a:prstGeom prst="rect">
             <a:avLst/>
@@ -3003,7 +3003,7 @@
         <p:spPr>
           <a:xfrm>
             <a:off x="685800" y="4343400"/>
-            <a:ext cx="5481000" cy="4109400"/>
+            <a:ext cx="5480640" cy="4109040"/>
           </a:xfrm>
           <a:prstGeom prst="rect">
             <a:avLst/>
@@ -3037,7 +3037,7 @@
         <p:spPr>
           <a:xfrm>
             <a:off x="3884760" y="8685360"/>
-            <a:ext cx="2966400" cy="451800"/>
+            <a:ext cx="2966040" cy="451440"/>
           </a:xfrm>
           <a:prstGeom prst="rect">
             <a:avLst/>
@@ -3073,7 +3073,7 @@
               </a:lnSpc>
               <a:buNone/>
             </a:pPr>
-            <a:fld id="{68618FEC-B7BF-4A3B-BDB9-B73F4B8951A0}" type="slidenum">
+            <a:fld id="{EB35F07A-5AD7-4956-96BA-128919816715}" type="slidenum">
               <a:rPr b="0" lang="en-US" sz="1200" spc="-1" strike="noStrike">
                 <a:solidFill>
                   <a:srgbClr val="000000"/>
@@ -3124,7 +3124,7 @@
         <p:spPr>
           <a:xfrm>
             <a:off x="380880" y="685800"/>
-            <a:ext cx="6090480" cy="3423600"/>
+            <a:ext cx="6090120" cy="3423240"/>
           </a:xfrm>
           <a:prstGeom prst="rect">
             <a:avLst/>
@@ -3147,7 +3147,7 @@
         <p:spPr>
           <a:xfrm>
             <a:off x="685800" y="4343400"/>
-            <a:ext cx="5481000" cy="4109400"/>
+            <a:ext cx="5480640" cy="4109040"/>
           </a:xfrm>
           <a:prstGeom prst="rect">
             <a:avLst/>
@@ -3181,7 +3181,7 @@
         <p:spPr>
           <a:xfrm>
             <a:off x="3884760" y="8685360"/>
-            <a:ext cx="2966400" cy="451800"/>
+            <a:ext cx="2966040" cy="451440"/>
           </a:xfrm>
           <a:prstGeom prst="rect">
             <a:avLst/>
@@ -3217,7 +3217,7 @@
               </a:lnSpc>
               <a:buNone/>
             </a:pPr>
-            <a:fld id="{03F29357-2A92-4E72-8845-5A4909968AAF}" type="slidenum">
+            <a:fld id="{629E4807-F8A7-416D-856F-3A4A6D2F7CD1}" type="slidenum">
               <a:rPr b="0" lang="en-US" sz="1200" spc="-1" strike="noStrike">
                 <a:solidFill>
                   <a:srgbClr val="000000"/>
@@ -3268,7 +3268,7 @@
         <p:spPr>
           <a:xfrm>
             <a:off x="380880" y="685800"/>
-            <a:ext cx="6090480" cy="3423600"/>
+            <a:ext cx="6090120" cy="3423240"/>
           </a:xfrm>
           <a:prstGeom prst="rect">
             <a:avLst/>
@@ -3291,7 +3291,7 @@
         <p:spPr>
           <a:xfrm>
             <a:off x="685800" y="4343400"/>
-            <a:ext cx="5481000" cy="4109400"/>
+            <a:ext cx="5480640" cy="4109040"/>
           </a:xfrm>
           <a:prstGeom prst="rect">
             <a:avLst/>
@@ -3325,7 +3325,7 @@
         <p:spPr>
           <a:xfrm>
             <a:off x="3884760" y="8685360"/>
-            <a:ext cx="2966400" cy="451800"/>
+            <a:ext cx="2966040" cy="451440"/>
           </a:xfrm>
           <a:prstGeom prst="rect">
             <a:avLst/>
@@ -3361,7 +3361,7 @@
               </a:lnSpc>
               <a:buNone/>
             </a:pPr>
-            <a:fld id="{CFAD2686-EBEB-40BF-9277-C1334780BD51}" type="slidenum">
+            <a:fld id="{FD008506-A043-42C7-A954-C220DC60AD99}" type="slidenum">
               <a:rPr b="0" lang="en-US" sz="1200" spc="-1" strike="noStrike">
                 <a:solidFill>
                   <a:srgbClr val="000000"/>
@@ -3412,7 +3412,7 @@
         <p:spPr>
           <a:xfrm>
             <a:off x="380880" y="685800"/>
-            <a:ext cx="6090480" cy="3423600"/>
+            <a:ext cx="6090120" cy="3423240"/>
           </a:xfrm>
           <a:prstGeom prst="rect">
             <a:avLst/>
@@ -3435,7 +3435,7 @@
         <p:spPr>
           <a:xfrm>
             <a:off x="685800" y="4343400"/>
-            <a:ext cx="5481000" cy="4109400"/>
+            <a:ext cx="5480640" cy="4109040"/>
           </a:xfrm>
           <a:prstGeom prst="rect">
             <a:avLst/>
@@ -3469,7 +3469,7 @@
         <p:spPr>
           <a:xfrm>
             <a:off x="3884760" y="8685360"/>
-            <a:ext cx="2966400" cy="451800"/>
+            <a:ext cx="2966040" cy="451440"/>
           </a:xfrm>
           <a:prstGeom prst="rect">
             <a:avLst/>
@@ -3505,7 +3505,7 @@
               </a:lnSpc>
               <a:buNone/>
             </a:pPr>
-            <a:fld id="{502F76A0-D48B-49F9-8E73-DD982F89EECB}" type="slidenum">
+            <a:fld id="{CF25A32C-100E-4C53-8ECD-C211B9DF6399}" type="slidenum">
               <a:rPr b="0" lang="en-US" sz="1200" spc="-1" strike="noStrike">
                 <a:solidFill>
                   <a:srgbClr val="000000"/>
@@ -3556,7 +3556,7 @@
         <p:spPr>
           <a:xfrm>
             <a:off x="380880" y="685800"/>
-            <a:ext cx="6090480" cy="3423600"/>
+            <a:ext cx="6090120" cy="3423240"/>
           </a:xfrm>
           <a:prstGeom prst="rect">
             <a:avLst/>
@@ -3579,7 +3579,7 @@
         <p:spPr>
           <a:xfrm>
             <a:off x="685800" y="4343400"/>
-            <a:ext cx="5481000" cy="4109400"/>
+            <a:ext cx="5480640" cy="4109040"/>
           </a:xfrm>
           <a:prstGeom prst="rect">
             <a:avLst/>
@@ -3613,7 +3613,7 @@
         <p:spPr>
           <a:xfrm>
             <a:off x="3884760" y="8685360"/>
-            <a:ext cx="2966400" cy="451800"/>
+            <a:ext cx="2966040" cy="451440"/>
           </a:xfrm>
           <a:prstGeom prst="rect">
             <a:avLst/>
@@ -3649,7 +3649,7 @@
               </a:lnSpc>
               <a:buNone/>
             </a:pPr>
-            <a:fld id="{3739FE37-6244-4591-8313-EA7979597C61}" type="slidenum">
+            <a:fld id="{3835B172-444E-47B8-8F49-58A17A99C23C}" type="slidenum">
               <a:rPr b="0" lang="en-US" sz="1200" spc="-1" strike="noStrike">
                 <a:solidFill>
                   <a:srgbClr val="000000"/>
@@ -3700,7 +3700,7 @@
         <p:spPr>
           <a:xfrm>
             <a:off x="380880" y="685800"/>
-            <a:ext cx="6090480" cy="3423600"/>
+            <a:ext cx="6090120" cy="3423240"/>
           </a:xfrm>
           <a:prstGeom prst="rect">
             <a:avLst/>
@@ -3723,7 +3723,7 @@
         <p:spPr>
           <a:xfrm>
             <a:off x="685800" y="4343400"/>
-            <a:ext cx="5481000" cy="4109400"/>
+            <a:ext cx="5480640" cy="4109040"/>
           </a:xfrm>
           <a:prstGeom prst="rect">
             <a:avLst/>
@@ -3757,7 +3757,7 @@
         <p:spPr>
           <a:xfrm>
             <a:off x="3884760" y="8685360"/>
-            <a:ext cx="2966400" cy="451800"/>
+            <a:ext cx="2966040" cy="451440"/>
           </a:xfrm>
           <a:prstGeom prst="rect">
             <a:avLst/>
@@ -3793,7 +3793,7 @@
               </a:lnSpc>
               <a:buNone/>
             </a:pPr>
-            <a:fld id="{6FF60345-10CA-4CD2-BF67-039B20701015}" type="slidenum">
+            <a:fld id="{B9629A90-2A50-4D57-B770-6F8F6C5F0794}" type="slidenum">
               <a:rPr b="0" lang="en-US" sz="1200" spc="-1" strike="noStrike">
                 <a:solidFill>
                   <a:srgbClr val="000000"/>
@@ -3844,7 +3844,7 @@
         <p:spPr>
           <a:xfrm>
             <a:off x="380880" y="685800"/>
-            <a:ext cx="6090480" cy="3423600"/>
+            <a:ext cx="6090120" cy="3423240"/>
           </a:xfrm>
           <a:prstGeom prst="rect">
             <a:avLst/>
@@ -3867,7 +3867,7 @@
         <p:spPr>
           <a:xfrm>
             <a:off x="685800" y="4343400"/>
-            <a:ext cx="5481000" cy="4109400"/>
+            <a:ext cx="5480640" cy="4109040"/>
           </a:xfrm>
           <a:prstGeom prst="rect">
             <a:avLst/>
@@ -3901,7 +3901,7 @@
         <p:spPr>
           <a:xfrm>
             <a:off x="3884760" y="8685360"/>
-            <a:ext cx="2966400" cy="451800"/>
+            <a:ext cx="2966040" cy="451440"/>
           </a:xfrm>
           <a:prstGeom prst="rect">
             <a:avLst/>
@@ -3937,7 +3937,7 @@
               </a:lnSpc>
               <a:buNone/>
             </a:pPr>
-            <a:fld id="{DCCE35DB-6D52-44E8-B30E-A26E651954C3}" type="slidenum">
+            <a:fld id="{4E14475A-57BE-422B-9BA2-F176C0969CD7}" type="slidenum">
               <a:rPr b="0" lang="en-US" sz="1200" spc="-1" strike="noStrike">
                 <a:solidFill>
                   <a:srgbClr val="000000"/>
@@ -3988,7 +3988,7 @@
         <p:spPr>
           <a:xfrm>
             <a:off x="380880" y="685800"/>
-            <a:ext cx="6090480" cy="3423600"/>
+            <a:ext cx="6090120" cy="3423240"/>
           </a:xfrm>
           <a:prstGeom prst="rect">
             <a:avLst/>
@@ -4011,7 +4011,7 @@
         <p:spPr>
           <a:xfrm>
             <a:off x="685800" y="4343400"/>
-            <a:ext cx="5481000" cy="4109400"/>
+            <a:ext cx="5480640" cy="4109040"/>
           </a:xfrm>
           <a:prstGeom prst="rect">
             <a:avLst/>
@@ -4045,7 +4045,7 @@
         <p:spPr>
           <a:xfrm>
             <a:off x="3884760" y="8685360"/>
-            <a:ext cx="2966400" cy="451800"/>
+            <a:ext cx="2966040" cy="451440"/>
           </a:xfrm>
           <a:prstGeom prst="rect">
             <a:avLst/>
@@ -4081,7 +4081,7 @@
               </a:lnSpc>
               <a:buNone/>
             </a:pPr>
-            <a:fld id="{EA1779DE-ED2A-4254-AE4F-C67583D2724C}" type="slidenum">
+            <a:fld id="{547043FC-8E03-4D66-8A14-491589DB12BC}" type="slidenum">
               <a:rPr b="0" lang="en-US" sz="1200" spc="-1" strike="noStrike">
                 <a:solidFill>
                   <a:srgbClr val="000000"/>
@@ -4132,7 +4132,7 @@
         <p:spPr>
           <a:xfrm>
             <a:off x="380880" y="685800"/>
-            <a:ext cx="6090480" cy="3423600"/>
+            <a:ext cx="6090120" cy="3423240"/>
           </a:xfrm>
           <a:prstGeom prst="rect">
             <a:avLst/>
@@ -4155,7 +4155,7 @@
         <p:spPr>
           <a:xfrm>
             <a:off x="685800" y="4343400"/>
-            <a:ext cx="5481000" cy="4109400"/>
+            <a:ext cx="5480640" cy="4109040"/>
           </a:xfrm>
           <a:prstGeom prst="rect">
             <a:avLst/>
@@ -4189,7 +4189,7 @@
         <p:spPr>
           <a:xfrm>
             <a:off x="3884760" y="8685360"/>
-            <a:ext cx="2966400" cy="451800"/>
+            <a:ext cx="2966040" cy="451440"/>
           </a:xfrm>
           <a:prstGeom prst="rect">
             <a:avLst/>
@@ -4225,7 +4225,7 @@
               </a:lnSpc>
               <a:buNone/>
             </a:pPr>
-            <a:fld id="{2404850A-839C-485B-AF93-4FE938561104}" type="slidenum">
+            <a:fld id="{1095E39F-0220-4076-AD5F-6BE3E0DC31D1}" type="slidenum">
               <a:rPr b="0" lang="en-US" sz="1200" spc="-1" strike="noStrike">
                 <a:solidFill>
                   <a:srgbClr val="000000"/>
@@ -4276,7 +4276,7 @@
         <p:spPr>
           <a:xfrm>
             <a:off x="380880" y="685800"/>
-            <a:ext cx="6090480" cy="3423600"/>
+            <a:ext cx="6090120" cy="3423240"/>
           </a:xfrm>
           <a:prstGeom prst="rect">
             <a:avLst/>
@@ -4299,7 +4299,7 @@
         <p:spPr>
           <a:xfrm>
             <a:off x="685800" y="4343400"/>
-            <a:ext cx="5481000" cy="4109400"/>
+            <a:ext cx="5480640" cy="4109040"/>
           </a:xfrm>
           <a:prstGeom prst="rect">
             <a:avLst/>
@@ -4333,7 +4333,7 @@
         <p:spPr>
           <a:xfrm>
             <a:off x="3884760" y="8685360"/>
-            <a:ext cx="2966400" cy="451800"/>
+            <a:ext cx="2966040" cy="451440"/>
           </a:xfrm>
           <a:prstGeom prst="rect">
             <a:avLst/>
@@ -4369,7 +4369,7 @@
               </a:lnSpc>
               <a:buNone/>
             </a:pPr>
-            <a:fld id="{AFE81D43-6ED0-4764-A59A-3B9C7478E697}" type="slidenum">
+            <a:fld id="{C92DD661-B117-4727-B801-FC777ABC0881}" type="slidenum">
               <a:rPr b="0" lang="en-US" sz="1200" spc="-1" strike="noStrike">
                 <a:solidFill>
                   <a:srgbClr val="000000"/>
@@ -4420,7 +4420,7 @@
         <p:spPr>
           <a:xfrm>
             <a:off x="380880" y="685800"/>
-            <a:ext cx="6090480" cy="3423600"/>
+            <a:ext cx="6090120" cy="3423240"/>
           </a:xfrm>
           <a:prstGeom prst="rect">
             <a:avLst/>
@@ -4443,7 +4443,7 @@
         <p:spPr>
           <a:xfrm>
             <a:off x="685800" y="4343400"/>
-            <a:ext cx="5481000" cy="4109400"/>
+            <a:ext cx="5480640" cy="4109040"/>
           </a:xfrm>
           <a:prstGeom prst="rect">
             <a:avLst/>
@@ -4477,7 +4477,7 @@
         <p:spPr>
           <a:xfrm>
             <a:off x="3884760" y="8685360"/>
-            <a:ext cx="2966400" cy="451800"/>
+            <a:ext cx="2966040" cy="451440"/>
           </a:xfrm>
           <a:prstGeom prst="rect">
             <a:avLst/>
@@ -4513,7 +4513,7 @@
               </a:lnSpc>
               <a:buNone/>
             </a:pPr>
-            <a:fld id="{1771EF8A-DBDE-4AD1-B391-3D7B79BE6E39}" type="slidenum">
+            <a:fld id="{200673F8-7F32-4D79-AF54-39CE9898A8E2}" type="slidenum">
               <a:rPr b="0" lang="en-US" sz="1200" spc="-1" strike="noStrike">
                 <a:solidFill>
                   <a:srgbClr val="000000"/>
@@ -4564,7 +4564,7 @@
         <p:spPr>
           <a:xfrm>
             <a:off x="380880" y="685800"/>
-            <a:ext cx="6090480" cy="3423600"/>
+            <a:ext cx="6090120" cy="3423240"/>
           </a:xfrm>
           <a:prstGeom prst="rect">
             <a:avLst/>
@@ -4587,7 +4587,7 @@
         <p:spPr>
           <a:xfrm>
             <a:off x="685800" y="4343400"/>
-            <a:ext cx="5481000" cy="4109400"/>
+            <a:ext cx="5480640" cy="4109040"/>
           </a:xfrm>
           <a:prstGeom prst="rect">
             <a:avLst/>
@@ -4621,7 +4621,7 @@
         <p:spPr>
           <a:xfrm>
             <a:off x="3884760" y="8685360"/>
-            <a:ext cx="2966400" cy="451800"/>
+            <a:ext cx="2966040" cy="451440"/>
           </a:xfrm>
           <a:prstGeom prst="rect">
             <a:avLst/>
@@ -4657,7 +4657,7 @@
               </a:lnSpc>
               <a:buNone/>
             </a:pPr>
-            <a:fld id="{87617258-DEC6-4F7E-A32D-182073AA3E7C}" type="slidenum">
+            <a:fld id="{48E95567-81B2-4828-8215-BB8A0E9FB61A}" type="slidenum">
               <a:rPr b="0" lang="en-US" sz="1200" spc="-1" strike="noStrike">
                 <a:solidFill>
                   <a:srgbClr val="000000"/>
@@ -4708,7 +4708,7 @@
         <p:spPr>
           <a:xfrm>
             <a:off x="380880" y="685800"/>
-            <a:ext cx="6090480" cy="3423600"/>
+            <a:ext cx="6090120" cy="3423240"/>
           </a:xfrm>
           <a:prstGeom prst="rect">
             <a:avLst/>
@@ -4731,7 +4731,7 @@
         <p:spPr>
           <a:xfrm>
             <a:off x="685800" y="4343400"/>
-            <a:ext cx="5481000" cy="4109400"/>
+            <a:ext cx="5480640" cy="4109040"/>
           </a:xfrm>
           <a:prstGeom prst="rect">
             <a:avLst/>
@@ -4765,7 +4765,7 @@
         <p:spPr>
           <a:xfrm>
             <a:off x="3884760" y="8685360"/>
-            <a:ext cx="2966400" cy="451800"/>
+            <a:ext cx="2966040" cy="451440"/>
           </a:xfrm>
           <a:prstGeom prst="rect">
             <a:avLst/>
@@ -4801,7 +4801,7 @@
               </a:lnSpc>
               <a:buNone/>
             </a:pPr>
-            <a:fld id="{200649F6-788C-4547-85AB-5D2B453E7FFD}" type="slidenum">
+            <a:fld id="{CDE1C23C-FA6A-48C8-BE64-8D4F3E8D950F}" type="slidenum">
               <a:rPr b="0" lang="en-US" sz="1200" spc="-1" strike="noStrike">
                 <a:solidFill>
                   <a:srgbClr val="000000"/>
@@ -4852,7 +4852,7 @@
         <p:spPr>
           <a:xfrm>
             <a:off x="380880" y="685800"/>
-            <a:ext cx="6090480" cy="3423600"/>
+            <a:ext cx="6090120" cy="3423240"/>
           </a:xfrm>
           <a:prstGeom prst="rect">
             <a:avLst/>
@@ -4875,7 +4875,7 @@
         <p:spPr>
           <a:xfrm>
             <a:off x="685800" y="4343400"/>
-            <a:ext cx="5481000" cy="4109400"/>
+            <a:ext cx="5480640" cy="4109040"/>
           </a:xfrm>
           <a:prstGeom prst="rect">
             <a:avLst/>
@@ -4909,7 +4909,7 @@
         <p:spPr>
           <a:xfrm>
             <a:off x="3884760" y="8685360"/>
-            <a:ext cx="2966400" cy="451800"/>
+            <a:ext cx="2966040" cy="451440"/>
           </a:xfrm>
           <a:prstGeom prst="rect">
             <a:avLst/>
@@ -4945,7 +4945,7 @@
               </a:lnSpc>
               <a:buNone/>
             </a:pPr>
-            <a:fld id="{7206DEFF-506A-4C4E-9765-5B9A920BBC30}" type="slidenum">
+            <a:fld id="{682348DB-7858-44DA-A157-55CBC7E35135}" type="slidenum">
               <a:rPr b="0" lang="en-US" sz="1200" spc="-1" strike="noStrike">
                 <a:solidFill>
                   <a:srgbClr val="000000"/>
@@ -4996,7 +4996,7 @@
         <p:spPr>
           <a:xfrm>
             <a:off x="380880" y="685800"/>
-            <a:ext cx="6090480" cy="3423600"/>
+            <a:ext cx="6090120" cy="3423240"/>
           </a:xfrm>
           <a:prstGeom prst="rect">
             <a:avLst/>
@@ -5019,7 +5019,7 @@
         <p:spPr>
           <a:xfrm>
             <a:off x="685800" y="4343400"/>
-            <a:ext cx="5481000" cy="4109400"/>
+            <a:ext cx="5480640" cy="4109040"/>
           </a:xfrm>
           <a:prstGeom prst="rect">
             <a:avLst/>
@@ -5053,7 +5053,7 @@
         <p:spPr>
           <a:xfrm>
             <a:off x="3884760" y="8685360"/>
-            <a:ext cx="2966400" cy="451800"/>
+            <a:ext cx="2966040" cy="451440"/>
           </a:xfrm>
           <a:prstGeom prst="rect">
             <a:avLst/>
@@ -5089,7 +5089,7 @@
               </a:lnSpc>
               <a:buNone/>
             </a:pPr>
-            <a:fld id="{E29A99E7-EECF-45F5-8DE6-17219BE10007}" type="slidenum">
+            <a:fld id="{66F42011-3300-4DA7-A8A1-913AD73E4003}" type="slidenum">
               <a:rPr b="0" lang="en-US" sz="1200" spc="-1" strike="noStrike">
                 <a:solidFill>
                   <a:srgbClr val="000000"/>
@@ -5140,7 +5140,7 @@
         <p:spPr>
           <a:xfrm>
             <a:off x="380880" y="685800"/>
-            <a:ext cx="6090480" cy="3423600"/>
+            <a:ext cx="6090120" cy="3423240"/>
           </a:xfrm>
           <a:prstGeom prst="rect">
             <a:avLst/>
@@ -5163,7 +5163,7 @@
         <p:spPr>
           <a:xfrm>
             <a:off x="685800" y="4343400"/>
-            <a:ext cx="5481000" cy="4109400"/>
+            <a:ext cx="5480640" cy="4109040"/>
           </a:xfrm>
           <a:prstGeom prst="rect">
             <a:avLst/>
@@ -5197,7 +5197,7 @@
         <p:spPr>
           <a:xfrm>
             <a:off x="3884760" y="8685360"/>
-            <a:ext cx="2966400" cy="451800"/>
+            <a:ext cx="2966040" cy="451440"/>
           </a:xfrm>
           <a:prstGeom prst="rect">
             <a:avLst/>
@@ -5233,7 +5233,7 @@
               </a:lnSpc>
               <a:buNone/>
             </a:pPr>
-            <a:fld id="{A70DE2EB-0E16-4273-B73F-9B3967E1CEB7}" type="slidenum">
+            <a:fld id="{19FB66AF-042F-482B-B8A3-25DB0A0B9EFA}" type="slidenum">
               <a:rPr b="0" lang="en-US" sz="1200" spc="-1" strike="noStrike">
                 <a:solidFill>
                   <a:srgbClr val="000000"/>
@@ -5284,7 +5284,7 @@
         <p:spPr>
           <a:xfrm>
             <a:off x="380880" y="685800"/>
-            <a:ext cx="6090480" cy="3423600"/>
+            <a:ext cx="6090120" cy="3423240"/>
           </a:xfrm>
           <a:prstGeom prst="rect">
             <a:avLst/>
@@ -5307,7 +5307,7 @@
         <p:spPr>
           <a:xfrm>
             <a:off x="685800" y="4343400"/>
-            <a:ext cx="5481000" cy="4109400"/>
+            <a:ext cx="5480640" cy="4109040"/>
           </a:xfrm>
           <a:prstGeom prst="rect">
             <a:avLst/>
@@ -5341,7 +5341,7 @@
         <p:spPr>
           <a:xfrm>
             <a:off x="3884760" y="8685360"/>
-            <a:ext cx="2966400" cy="451800"/>
+            <a:ext cx="2966040" cy="451440"/>
           </a:xfrm>
           <a:prstGeom prst="rect">
             <a:avLst/>
@@ -5377,7 +5377,7 @@
               </a:lnSpc>
               <a:buNone/>
             </a:pPr>
-            <a:fld id="{A874649D-2333-4935-9A9E-92C7F8E0407A}" type="slidenum">
+            <a:fld id="{E39B9A44-D05B-49DE-B71A-852FB9CB3C84}" type="slidenum">
               <a:rPr b="0" lang="en-US" sz="1200" spc="-1" strike="noStrike">
                 <a:solidFill>
                   <a:srgbClr val="000000"/>
@@ -5428,7 +5428,7 @@
         <p:spPr>
           <a:xfrm>
             <a:off x="380880" y="685800"/>
-            <a:ext cx="6090480" cy="3423600"/>
+            <a:ext cx="6090120" cy="3423240"/>
           </a:xfrm>
           <a:prstGeom prst="rect">
             <a:avLst/>
@@ -5451,7 +5451,7 @@
         <p:spPr>
           <a:xfrm>
             <a:off x="685800" y="4343400"/>
-            <a:ext cx="5481000" cy="4109400"/>
+            <a:ext cx="5480640" cy="4109040"/>
           </a:xfrm>
           <a:prstGeom prst="rect">
             <a:avLst/>
@@ -5485,7 +5485,7 @@
         <p:spPr>
           <a:xfrm>
             <a:off x="3884760" y="8685360"/>
-            <a:ext cx="2966400" cy="451800"/>
+            <a:ext cx="2966040" cy="451440"/>
           </a:xfrm>
           <a:prstGeom prst="rect">
             <a:avLst/>
@@ -5521,7 +5521,7 @@
               </a:lnSpc>
               <a:buNone/>
             </a:pPr>
-            <a:fld id="{8F6D0391-0B71-488C-B64E-F023E18E0834}" type="slidenum">
+            <a:fld id="{B1B7BB98-0C9F-4B4F-BF98-592B6F62DACB}" type="slidenum">
               <a:rPr b="0" lang="en-US" sz="1200" spc="-1" strike="noStrike">
                 <a:solidFill>
                   <a:srgbClr val="000000"/>
@@ -5572,7 +5572,7 @@
         <p:spPr>
           <a:xfrm>
             <a:off x="380880" y="685800"/>
-            <a:ext cx="6090480" cy="3423600"/>
+            <a:ext cx="6090120" cy="3423240"/>
           </a:xfrm>
           <a:prstGeom prst="rect">
             <a:avLst/>
@@ -5595,7 +5595,7 @@
         <p:spPr>
           <a:xfrm>
             <a:off x="685800" y="4343400"/>
-            <a:ext cx="5481000" cy="4109400"/>
+            <a:ext cx="5480640" cy="4109040"/>
           </a:xfrm>
           <a:prstGeom prst="rect">
             <a:avLst/>
@@ -5629,7 +5629,7 @@
         <p:spPr>
           <a:xfrm>
             <a:off x="3884760" y="8685360"/>
-            <a:ext cx="2966400" cy="451800"/>
+            <a:ext cx="2966040" cy="451440"/>
           </a:xfrm>
           <a:prstGeom prst="rect">
             <a:avLst/>
@@ -5665,7 +5665,7 @@
               </a:lnSpc>
               <a:buNone/>
             </a:pPr>
-            <a:fld id="{6DD7D8BD-17EF-4812-AB7F-2F737E129E6C}" type="slidenum">
+            <a:fld id="{0BDC1753-3376-4CB8-A025-FE33A753D2F0}" type="slidenum">
               <a:rPr b="0" lang="en-US" sz="1200" spc="-1" strike="noStrike">
                 <a:solidFill>
                   <a:srgbClr val="000000"/>
@@ -5716,7 +5716,7 @@
         <p:spPr>
           <a:xfrm>
             <a:off x="380880" y="685800"/>
-            <a:ext cx="6090480" cy="3423600"/>
+            <a:ext cx="6090120" cy="3423240"/>
           </a:xfrm>
           <a:prstGeom prst="rect">
             <a:avLst/>
@@ -5739,7 +5739,7 @@
         <p:spPr>
           <a:xfrm>
             <a:off x="685800" y="4343400"/>
-            <a:ext cx="5481000" cy="4109400"/>
+            <a:ext cx="5480640" cy="4109040"/>
           </a:xfrm>
           <a:prstGeom prst="rect">
             <a:avLst/>
@@ -5773,7 +5773,7 @@
         <p:spPr>
           <a:xfrm>
             <a:off x="3884760" y="8685360"/>
-            <a:ext cx="2966400" cy="451800"/>
+            <a:ext cx="2966040" cy="451440"/>
           </a:xfrm>
           <a:prstGeom prst="rect">
             <a:avLst/>
@@ -5809,7 +5809,7 @@
               </a:lnSpc>
               <a:buNone/>
             </a:pPr>
-            <a:fld id="{CA6BD6F7-FF2A-4BA9-828D-EF52A386152E}" type="slidenum">
+            <a:fld id="{EB55A1E3-A43A-40D8-9D21-2B4FF3430E14}" type="slidenum">
               <a:rPr b="0" lang="en-US" sz="1200" spc="-1" strike="noStrike">
                 <a:solidFill>
                   <a:srgbClr val="000000"/>
@@ -5860,7 +5860,7 @@
         <p:spPr>
           <a:xfrm>
             <a:off x="380880" y="685800"/>
-            <a:ext cx="6090480" cy="3423600"/>
+            <a:ext cx="6090120" cy="3423240"/>
           </a:xfrm>
           <a:prstGeom prst="rect">
             <a:avLst/>
@@ -5883,7 +5883,7 @@
         <p:spPr>
           <a:xfrm>
             <a:off x="685800" y="4343400"/>
-            <a:ext cx="5481000" cy="4109400"/>
+            <a:ext cx="5480640" cy="4109040"/>
           </a:xfrm>
           <a:prstGeom prst="rect">
             <a:avLst/>
@@ -5917,7 +5917,7 @@
         <p:spPr>
           <a:xfrm>
             <a:off x="3884760" y="8685360"/>
-            <a:ext cx="2966400" cy="451800"/>
+            <a:ext cx="2966040" cy="451440"/>
           </a:xfrm>
           <a:prstGeom prst="rect">
             <a:avLst/>
@@ -5953,7 +5953,7 @@
               </a:lnSpc>
               <a:buNone/>
             </a:pPr>
-            <a:fld id="{B0B6F677-55C0-4C58-8E8C-BFF7145341B9}" type="slidenum">
+            <a:fld id="{67D84A06-F7C8-4D32-8112-EFAF527D49EB}" type="slidenum">
               <a:rPr b="0" lang="en-US" sz="1200" spc="-1" strike="noStrike">
                 <a:solidFill>
                   <a:srgbClr val="000000"/>
@@ -6004,7 +6004,7 @@
         <p:spPr>
           <a:xfrm>
             <a:off x="380880" y="685800"/>
-            <a:ext cx="6090480" cy="3423600"/>
+            <a:ext cx="6090120" cy="3423240"/>
           </a:xfrm>
           <a:prstGeom prst="rect">
             <a:avLst/>
@@ -6027,7 +6027,7 @@
         <p:spPr>
           <a:xfrm>
             <a:off x="685800" y="4343400"/>
-            <a:ext cx="5481000" cy="4109400"/>
+            <a:ext cx="5480640" cy="4109040"/>
           </a:xfrm>
           <a:prstGeom prst="rect">
             <a:avLst/>
@@ -6061,7 +6061,7 @@
         <p:spPr>
           <a:xfrm>
             <a:off x="3884760" y="8685360"/>
-            <a:ext cx="2966400" cy="451800"/>
+            <a:ext cx="2966040" cy="451440"/>
           </a:xfrm>
           <a:prstGeom prst="rect">
             <a:avLst/>
@@ -6097,7 +6097,7 @@
               </a:lnSpc>
               <a:buNone/>
             </a:pPr>
-            <a:fld id="{673D29D8-73B2-44C5-86A6-2C5D9189EC5C}" type="slidenum">
+            <a:fld id="{739950EC-4BC7-48F8-98BD-941550B605C8}" type="slidenum">
               <a:rPr b="0" lang="en-US" sz="1200" spc="-1" strike="noStrike">
                 <a:solidFill>
                   <a:srgbClr val="000000"/>
@@ -6148,7 +6148,7 @@
         <p:spPr>
           <a:xfrm>
             <a:off x="380880" y="685800"/>
-            <a:ext cx="6090480" cy="3423600"/>
+            <a:ext cx="6090120" cy="3423240"/>
           </a:xfrm>
           <a:prstGeom prst="rect">
             <a:avLst/>
@@ -6171,7 +6171,7 @@
         <p:spPr>
           <a:xfrm>
             <a:off x="685800" y="4343400"/>
-            <a:ext cx="5481000" cy="4109400"/>
+            <a:ext cx="5480640" cy="4109040"/>
           </a:xfrm>
           <a:prstGeom prst="rect">
             <a:avLst/>
@@ -6205,7 +6205,7 @@
         <p:spPr>
           <a:xfrm>
             <a:off x="3884760" y="8685360"/>
-            <a:ext cx="2966400" cy="451800"/>
+            <a:ext cx="2966040" cy="451440"/>
           </a:xfrm>
           <a:prstGeom prst="rect">
             <a:avLst/>
@@ -6241,7 +6241,7 @@
               </a:lnSpc>
               <a:buNone/>
             </a:pPr>
-            <a:fld id="{1DFCDB47-B170-4FF6-B084-8974004C4B2A}" type="slidenum">
+            <a:fld id="{AACCB9DC-02B1-4BAC-B097-31D17CB1DC77}" type="slidenum">
               <a:rPr b="0" lang="en-US" sz="1200" spc="-1" strike="noStrike">
                 <a:solidFill>
                   <a:srgbClr val="000000"/>
@@ -6292,7 +6292,7 @@
         <p:spPr>
           <a:xfrm>
             <a:off x="380880" y="685800"/>
-            <a:ext cx="6090480" cy="3423600"/>
+            <a:ext cx="6090120" cy="3423240"/>
           </a:xfrm>
           <a:prstGeom prst="rect">
             <a:avLst/>
@@ -6315,7 +6315,7 @@
         <p:spPr>
           <a:xfrm>
             <a:off x="685800" y="4343400"/>
-            <a:ext cx="5481000" cy="4109400"/>
+            <a:ext cx="5480640" cy="4109040"/>
           </a:xfrm>
           <a:prstGeom prst="rect">
             <a:avLst/>
@@ -6349,7 +6349,7 @@
         <p:spPr>
           <a:xfrm>
             <a:off x="3884760" y="8685360"/>
-            <a:ext cx="2966400" cy="451800"/>
+            <a:ext cx="2966040" cy="451440"/>
           </a:xfrm>
           <a:prstGeom prst="rect">
             <a:avLst/>
@@ -6385,7 +6385,7 @@
               </a:lnSpc>
               <a:buNone/>
             </a:pPr>
-            <a:fld id="{ABD59C13-91EE-40D5-998D-BDC3D9B921AF}" type="slidenum">
+            <a:fld id="{5C59CD03-E951-47DE-8076-4A48F6F43041}" type="slidenum">
               <a:rPr b="0" lang="en-US" sz="1200" spc="-1" strike="noStrike">
                 <a:solidFill>
                   <a:srgbClr val="000000"/>
@@ -6436,7 +6436,7 @@
         <p:spPr>
           <a:xfrm>
             <a:off x="380880" y="685800"/>
-            <a:ext cx="6090480" cy="3423600"/>
+            <a:ext cx="6090120" cy="3423240"/>
           </a:xfrm>
           <a:prstGeom prst="rect">
             <a:avLst/>
@@ -6459,7 +6459,7 @@
         <p:spPr>
           <a:xfrm>
             <a:off x="685800" y="4343400"/>
-            <a:ext cx="5481000" cy="4109400"/>
+            <a:ext cx="5480640" cy="4109040"/>
           </a:xfrm>
           <a:prstGeom prst="rect">
             <a:avLst/>
@@ -6493,7 +6493,7 @@
         <p:spPr>
           <a:xfrm>
             <a:off x="3884760" y="8685360"/>
-            <a:ext cx="2966400" cy="451800"/>
+            <a:ext cx="2966040" cy="451440"/>
           </a:xfrm>
           <a:prstGeom prst="rect">
             <a:avLst/>
@@ -6529,7 +6529,7 @@
               </a:lnSpc>
               <a:buNone/>
             </a:pPr>
-            <a:fld id="{3ED33480-256D-4E4D-99C8-94FD747480F6}" type="slidenum">
+            <a:fld id="{923C9C43-AC7B-4433-887F-E76C3A951D13}" type="slidenum">
               <a:rPr b="0" lang="en-US" sz="1200" spc="-1" strike="noStrike">
                 <a:solidFill>
                   <a:srgbClr val="000000"/>
@@ -6580,7 +6580,7 @@
         <p:spPr>
           <a:xfrm>
             <a:off x="380880" y="685800"/>
-            <a:ext cx="6090480" cy="3423600"/>
+            <a:ext cx="6090120" cy="3423240"/>
           </a:xfrm>
           <a:prstGeom prst="rect">
             <a:avLst/>
@@ -6603,7 +6603,7 @@
         <p:spPr>
           <a:xfrm>
             <a:off x="685800" y="4343400"/>
-            <a:ext cx="5481000" cy="4109400"/>
+            <a:ext cx="5480640" cy="4109040"/>
           </a:xfrm>
           <a:prstGeom prst="rect">
             <a:avLst/>
@@ -6637,7 +6637,7 @@
         <p:spPr>
           <a:xfrm>
             <a:off x="3884760" y="8685360"/>
-            <a:ext cx="2966400" cy="451800"/>
+            <a:ext cx="2966040" cy="451440"/>
           </a:xfrm>
           <a:prstGeom prst="rect">
             <a:avLst/>
@@ -6673,7 +6673,7 @@
               </a:lnSpc>
               <a:buNone/>
             </a:pPr>
-            <a:fld id="{8C2DD34D-CB0E-439C-AD14-954BD65EC7D0}" type="slidenum">
+            <a:fld id="{54140602-7DA0-4E7D-BA4B-DCCA1A97170D}" type="slidenum">
               <a:rPr b="0" lang="en-US" sz="1200" spc="-1" strike="noStrike">
                 <a:solidFill>
                   <a:srgbClr val="000000"/>
@@ -6724,7 +6724,7 @@
         <p:spPr>
           <a:xfrm>
             <a:off x="380880" y="685800"/>
-            <a:ext cx="6090480" cy="3423600"/>
+            <a:ext cx="6090120" cy="3423240"/>
           </a:xfrm>
           <a:prstGeom prst="rect">
             <a:avLst/>
@@ -6747,7 +6747,7 @@
         <p:spPr>
           <a:xfrm>
             <a:off x="685800" y="4343400"/>
-            <a:ext cx="5481000" cy="4109400"/>
+            <a:ext cx="5480640" cy="4109040"/>
           </a:xfrm>
           <a:prstGeom prst="rect">
             <a:avLst/>
@@ -6781,7 +6781,7 @@
         <p:spPr>
           <a:xfrm>
             <a:off x="3884760" y="8685360"/>
-            <a:ext cx="2966400" cy="451800"/>
+            <a:ext cx="2966040" cy="451440"/>
           </a:xfrm>
           <a:prstGeom prst="rect">
             <a:avLst/>
@@ -6817,7 +6817,7 @@
               </a:lnSpc>
               <a:buNone/>
             </a:pPr>
-            <a:fld id="{E317C33D-BB02-4804-BCA6-D57C77956BA0}" type="slidenum">
+            <a:fld id="{A5907BBD-BC6C-40A8-8DFE-414DA68FFDA4}" type="slidenum">
               <a:rPr b="0" lang="en-US" sz="1200" spc="-1" strike="noStrike">
                 <a:solidFill>
                   <a:srgbClr val="000000"/>
@@ -6868,7 +6868,7 @@
         <p:spPr>
           <a:xfrm>
             <a:off x="380880" y="685800"/>
-            <a:ext cx="6090480" cy="3423600"/>
+            <a:ext cx="6090120" cy="3423240"/>
           </a:xfrm>
           <a:prstGeom prst="rect">
             <a:avLst/>
@@ -6891,7 +6891,7 @@
         <p:spPr>
           <a:xfrm>
             <a:off x="685800" y="4343400"/>
-            <a:ext cx="5481000" cy="4109400"/>
+            <a:ext cx="5480640" cy="4109040"/>
           </a:xfrm>
           <a:prstGeom prst="rect">
             <a:avLst/>
@@ -6925,7 +6925,7 @@
         <p:spPr>
           <a:xfrm>
             <a:off x="3884760" y="8685360"/>
-            <a:ext cx="2966400" cy="451800"/>
+            <a:ext cx="2966040" cy="451440"/>
           </a:xfrm>
           <a:prstGeom prst="rect">
             <a:avLst/>
@@ -6961,7 +6961,7 @@
               </a:lnSpc>
               <a:buNone/>
             </a:pPr>
-            <a:fld id="{E3FC3DF5-2FF1-4006-8A90-E25CA22CACF6}" type="slidenum">
+            <a:fld id="{321F1E7A-5D62-4B1C-973E-034A4EA3D601}" type="slidenum">
               <a:rPr b="0" lang="en-US" sz="1200" spc="-1" strike="noStrike">
                 <a:solidFill>
                   <a:srgbClr val="000000"/>
@@ -7012,7 +7012,7 @@
         <p:spPr>
           <a:xfrm>
             <a:off x="380880" y="685800"/>
-            <a:ext cx="6090480" cy="3423600"/>
+            <a:ext cx="6090120" cy="3423240"/>
           </a:xfrm>
           <a:prstGeom prst="rect">
             <a:avLst/>
@@ -7035,7 +7035,7 @@
         <p:spPr>
           <a:xfrm>
             <a:off x="685800" y="4343400"/>
-            <a:ext cx="5481000" cy="4109400"/>
+            <a:ext cx="5480640" cy="4109040"/>
           </a:xfrm>
           <a:prstGeom prst="rect">
             <a:avLst/>
@@ -7069,7 +7069,7 @@
         <p:spPr>
           <a:xfrm>
             <a:off x="3884760" y="8685360"/>
-            <a:ext cx="2966400" cy="451800"/>
+            <a:ext cx="2966040" cy="451440"/>
           </a:xfrm>
           <a:prstGeom prst="rect">
             <a:avLst/>
@@ -7105,7 +7105,7 @@
               </a:lnSpc>
               <a:buNone/>
             </a:pPr>
-            <a:fld id="{0687A75E-FC2B-42FA-852D-2C1CF8C7B747}" type="slidenum">
+            <a:fld id="{517437E7-97D2-48F1-B2B8-EF30479C8597}" type="slidenum">
               <a:rPr b="0" lang="en-US" sz="1200" spc="-1" strike="noStrike">
                 <a:solidFill>
                   <a:srgbClr val="000000"/>
@@ -7156,7 +7156,7 @@
         <p:spPr>
           <a:xfrm>
             <a:off x="380880" y="685800"/>
-            <a:ext cx="6090480" cy="3423600"/>
+            <a:ext cx="6090120" cy="3423240"/>
           </a:xfrm>
           <a:prstGeom prst="rect">
             <a:avLst/>
@@ -7179,7 +7179,7 @@
         <p:spPr>
           <a:xfrm>
             <a:off x="685800" y="4343400"/>
-            <a:ext cx="5481000" cy="4109400"/>
+            <a:ext cx="5480640" cy="4109040"/>
           </a:xfrm>
           <a:prstGeom prst="rect">
             <a:avLst/>
@@ -7213,7 +7213,7 @@
         <p:spPr>
           <a:xfrm>
             <a:off x="3884760" y="8685360"/>
-            <a:ext cx="2966400" cy="451800"/>
+            <a:ext cx="2966040" cy="451440"/>
           </a:xfrm>
           <a:prstGeom prst="rect">
             <a:avLst/>
@@ -7249,7 +7249,7 @@
               </a:lnSpc>
               <a:buNone/>
             </a:pPr>
-            <a:fld id="{FC314134-9E51-441E-8724-358B498F1FEE}" type="slidenum">
+            <a:fld id="{9387FC22-8B5F-46BD-B02B-729912216202}" type="slidenum">
               <a:rPr b="0" lang="en-US" sz="1200" spc="-1" strike="noStrike">
                 <a:solidFill>
                   <a:srgbClr val="000000"/>
@@ -7300,7 +7300,7 @@
         <p:spPr>
           <a:xfrm>
             <a:off x="380880" y="685800"/>
-            <a:ext cx="6090480" cy="3423600"/>
+            <a:ext cx="6090120" cy="3423240"/>
           </a:xfrm>
           <a:prstGeom prst="rect">
             <a:avLst/>
@@ -7323,7 +7323,7 @@
         <p:spPr>
           <a:xfrm>
             <a:off x="685800" y="4343400"/>
-            <a:ext cx="5481000" cy="4109400"/>
+            <a:ext cx="5480640" cy="4109040"/>
           </a:xfrm>
           <a:prstGeom prst="rect">
             <a:avLst/>
@@ -7357,7 +7357,7 @@
         <p:spPr>
           <a:xfrm>
             <a:off x="3884760" y="8685360"/>
-            <a:ext cx="2966400" cy="451800"/>
+            <a:ext cx="2966040" cy="451440"/>
           </a:xfrm>
           <a:prstGeom prst="rect">
             <a:avLst/>
@@ -7393,7 +7393,7 @@
               </a:lnSpc>
               <a:buNone/>
             </a:pPr>
-            <a:fld id="{DA4D39EB-6044-443F-9799-689F4EF739D5}" type="slidenum">
+            <a:fld id="{01B62356-507A-44C9-A2C6-C0426349F8EE}" type="slidenum">
               <a:rPr b="0" lang="en-US" sz="1200" spc="-1" strike="noStrike">
                 <a:solidFill>
                   <a:srgbClr val="000000"/>
@@ -7465,7 +7465,7 @@
         <p:txBody>
           <a:bodyPr/>
           <a:p>
-            <a:fld id="{96205645-51EE-47FA-93DA-CF6740CD3100}" type="slidenum">
+            <a:fld id="{1766E16E-1EEA-435D-9A68-41F69CA50D10}" type="slidenum">
               <a:t>&lt;#&gt;</a:t>
             </a:fld>
           </a:p>
@@ -7653,7 +7653,7 @@
         <p:txBody>
           <a:bodyPr/>
           <a:p>
-            <a:fld id="{154D5D78-5D6A-4944-9145-30CFF6127BFF}" type="slidenum">
+            <a:fld id="{FB0B0166-465A-4B34-8D90-BE422B965052}" type="slidenum">
               <a:t>&lt;#&gt;</a:t>
             </a:fld>
           </a:p>
@@ -7909,7 +7909,7 @@
         <p:txBody>
           <a:bodyPr/>
           <a:p>
-            <a:fld id="{1B327BB2-B71C-4E08-9802-AC12FC64F2B1}" type="slidenum">
+            <a:fld id="{FA157EDB-6BC1-4AF2-9ECA-6815E983582F}" type="slidenum">
               <a:t>&lt;#&gt;</a:t>
             </a:fld>
           </a:p>
@@ -8233,7 +8233,7 @@
         <p:txBody>
           <a:bodyPr/>
           <a:p>
-            <a:fld id="{DDCAB96F-40EE-4E83-9DB9-80DD03228497}" type="slidenum">
+            <a:fld id="{2ED9DEFE-B6D7-4EDA-B931-BB3B15E4D6E6}" type="slidenum">
               <a:t>&lt;#&gt;</a:t>
             </a:fld>
           </a:p>
@@ -8390,7 +8390,7 @@
         <p:txBody>
           <a:bodyPr/>
           <a:p>
-            <a:fld id="{EC7C7195-CCC2-4133-8DE0-64AD82248EA0}" type="slidenum">
+            <a:fld id="{8312403A-F4B2-4C1F-98EE-6B3180630DCF}" type="slidenum">
               <a:t>&lt;#&gt;</a:t>
             </a:fld>
           </a:p>
@@ -8544,7 +8544,7 @@
         <p:txBody>
           <a:bodyPr/>
           <a:p>
-            <a:fld id="{ADBF1E60-5D38-4B3B-BF10-2A75E8427583}" type="slidenum">
+            <a:fld id="{8619470C-8CB4-41BC-AABB-FEC4B1151811}" type="slidenum">
               <a:t>&lt;#&gt;</a:t>
             </a:fld>
           </a:p>
@@ -8732,7 +8732,7 @@
         <p:txBody>
           <a:bodyPr/>
           <a:p>
-            <a:fld id="{E188F2D3-ECBF-49B9-8F8A-F5501530FE02}" type="slidenum">
+            <a:fld id="{47C01B90-3F15-4EF1-BFB4-282283870857}" type="slidenum">
               <a:t>&lt;#&gt;</a:t>
             </a:fld>
           </a:p>
@@ -8852,7 +8852,7 @@
         <p:txBody>
           <a:bodyPr/>
           <a:p>
-            <a:fld id="{F083918D-6189-4060-BB7A-D91EB0C2C514}" type="slidenum">
+            <a:fld id="{1BEDC6F0-698B-450A-B8B5-1925AD6C08D4}" type="slidenum">
               <a:t>&lt;#&gt;</a:t>
             </a:fld>
           </a:p>
@@ -8972,7 +8972,7 @@
         <p:txBody>
           <a:bodyPr/>
           <a:p>
-            <a:fld id="{F9500A38-C43A-4A68-B61B-412D0BB487B7}" type="slidenum">
+            <a:fld id="{681E6C8B-7CE9-42CD-BAF8-19E06BE03DF8}" type="slidenum">
               <a:t>&lt;#&gt;</a:t>
             </a:fld>
           </a:p>
@@ -9194,7 +9194,7 @@
         <p:txBody>
           <a:bodyPr/>
           <a:p>
-            <a:fld id="{DB25B7B1-8239-4BFB-9804-A35102A7E15F}" type="slidenum">
+            <a:fld id="{34BD9AB6-CF10-4601-B3FA-05CF4AD6A92C}" type="slidenum">
               <a:t>&lt;#&gt;</a:t>
             </a:fld>
           </a:p>
@@ -9416,7 +9416,7 @@
         <p:txBody>
           <a:bodyPr/>
           <a:p>
-            <a:fld id="{BB35D430-88D6-4BDC-8343-15B2A7E3B432}" type="slidenum">
+            <a:fld id="{2FB344B1-0E93-4A0F-A32D-1924D5481C63}" type="slidenum">
               <a:t>&lt;#&gt;</a:t>
             </a:fld>
           </a:p>
@@ -9638,7 +9638,7 @@
         <p:txBody>
           <a:bodyPr/>
           <a:p>
-            <a:fld id="{10AE4BD4-6E10-4781-9D44-7960C70DA685}" type="slidenum">
+            <a:fld id="{33624445-D576-4808-B173-197A55D1532A}" type="slidenum">
               <a:t>&lt;#&gt;</a:t>
             </a:fld>
           </a:p>
@@ -9707,7 +9707,7 @@
         <p:spPr>
           <a:xfrm>
             <a:off x="3028680" y="4771440"/>
-            <a:ext cx="3081240" cy="269280"/>
+            <a:ext cx="3080880" cy="268920"/>
           </a:xfrm>
           <a:prstGeom prst="rect">
             <a:avLst/>
@@ -9772,7 +9772,7 @@
         <p:spPr>
           <a:xfrm>
             <a:off x="6457680" y="4771440"/>
-            <a:ext cx="2052720" cy="269280"/>
+            <a:ext cx="2052360" cy="268920"/>
           </a:xfrm>
           <a:prstGeom prst="rect">
             <a:avLst/>
@@ -9808,7 +9808,7 @@
               </a:lnSpc>
               <a:buNone/>
             </a:pPr>
-            <a:fld id="{D6610B2D-1643-4601-BED6-481A68CDF647}" type="slidenum">
+            <a:fld id="{09315496-C5A1-4CB9-A201-E48CDE8AE570}" type="slidenum">
               <a:rPr b="0" lang="en-US" sz="1200" spc="-1" strike="noStrike">
                 <a:solidFill>
                   <a:srgbClr val="8b8b8b"/>
@@ -9837,7 +9837,7 @@
         <p:spPr>
           <a:xfrm>
             <a:off x="628200" y="4771440"/>
-            <a:ext cx="2052720" cy="269280"/>
+            <a:ext cx="2052360" cy="268920"/>
           </a:xfrm>
           <a:prstGeom prst="rect">
             <a:avLst/>
@@ -10149,8 +10149,8 @@
         </p:nvSpPr>
         <p:spPr>
           <a:xfrm rot="2744400">
-            <a:off x="-279720" y="-25560"/>
-            <a:ext cx="703440" cy="703080"/>
+            <a:off x="-279360" y="-25560"/>
+            <a:ext cx="703080" cy="702720"/>
           </a:xfrm>
           <a:prstGeom prst="roundRect">
             <a:avLst>
@@ -10187,8 +10187,8 @@
         </p:nvSpPr>
         <p:spPr>
           <a:xfrm rot="2625600">
-            <a:off x="6024960" y="4332240"/>
-            <a:ext cx="467280" cy="467280"/>
+            <a:off x="6024960" y="4331880"/>
+            <a:ext cx="466920" cy="466920"/>
           </a:xfrm>
           <a:prstGeom prst="roundRect">
             <a:avLst>
@@ -10225,8 +10225,8 @@
         </p:nvSpPr>
         <p:spPr>
           <a:xfrm rot="18679200">
-            <a:off x="7003080" y="948600"/>
-            <a:ext cx="4938840" cy="4665240"/>
+            <a:off x="7002720" y="948600"/>
+            <a:ext cx="4938480" cy="4664880"/>
           </a:xfrm>
           <a:prstGeom prst="roundRect">
             <a:avLst>
@@ -10264,7 +10264,7 @@
         <p:spPr>
           <a:xfrm>
             <a:off x="459720" y="4671360"/>
-            <a:ext cx="2994480" cy="265320"/>
+            <a:ext cx="2994120" cy="264960"/>
           </a:xfrm>
           <a:prstGeom prst="rect">
             <a:avLst/>
@@ -10329,8 +10329,8 @@
         </p:blipFill>
         <p:spPr>
           <a:xfrm>
-            <a:off x="2423160" y="4671720"/>
-            <a:ext cx="286920" cy="286920"/>
+            <a:off x="3035160" y="4743720"/>
+            <a:ext cx="286560" cy="286560"/>
           </a:xfrm>
           <a:prstGeom prst="rect">
             <a:avLst/>
@@ -10349,7 +10349,7 @@
         <p:spPr>
           <a:xfrm>
             <a:off x="484920" y="1681560"/>
-            <a:ext cx="5479920" cy="1881360"/>
+            <a:ext cx="5479560" cy="1881000"/>
           </a:xfrm>
           <a:prstGeom prst="rect">
             <a:avLst/>
@@ -10437,8 +10437,8 @@
         </p:nvSpPr>
         <p:spPr>
           <a:xfrm rot="2744400">
-            <a:off x="-279720" y="-25560"/>
-            <a:ext cx="703440" cy="703080"/>
+            <a:off x="-279360" y="-25560"/>
+            <a:ext cx="703080" cy="702720"/>
           </a:xfrm>
           <a:prstGeom prst="roundRect">
             <a:avLst>
@@ -10475,8 +10475,8 @@
         </p:nvSpPr>
         <p:spPr>
           <a:xfrm rot="2332200">
-            <a:off x="6009120" y="-319680"/>
-            <a:ext cx="4854600" cy="7725600"/>
+            <a:off x="6009120" y="-319320"/>
+            <a:ext cx="4854240" cy="7725240"/>
           </a:xfrm>
           <a:prstGeom prst="roundRect">
             <a:avLst>
@@ -10514,9 +10514,9 @@
         <p:grpSpPr>
           <a:xfrm>
             <a:off x="4571640" y="828000"/>
-            <a:ext cx="4467240" cy="3563280"/>
+            <a:ext cx="4466880" cy="3562920"/>
             <a:chOff x="4571640" y="828000"/>
-            <a:chExt cx="4467240" cy="3563280"/>
+            <a:chExt cx="4466880" cy="3562920"/>
           </a:xfrm>
         </p:grpSpPr>
         <p:pic>
@@ -10532,7 +10532,7 @@
           <p:spPr>
             <a:xfrm>
               <a:off x="4571640" y="828000"/>
-              <a:ext cx="4467240" cy="3563280"/>
+              <a:ext cx="4466880" cy="3562920"/>
             </a:xfrm>
             <a:prstGeom prst="rect">
               <a:avLst/>
@@ -10550,8 +10550,8 @@
           </p:nvSpPr>
           <p:spPr>
             <a:xfrm rot="16200000">
-              <a:off x="5962680" y="1159920"/>
-              <a:ext cx="1736280" cy="2770200"/>
+              <a:off x="5962680" y="1160280"/>
+              <a:ext cx="1735920" cy="2769840"/>
             </a:xfrm>
             <a:prstGeom prst="roundRect">
               <a:avLst>
@@ -10618,7 +10618,7 @@
         <p:spPr>
           <a:xfrm>
             <a:off x="5446080" y="1672200"/>
-            <a:ext cx="2769840" cy="1736280"/>
+            <a:ext cx="2769480" cy="1735920"/>
           </a:xfrm>
           <a:prstGeom prst="rect">
             <a:avLst/>
@@ -10670,7 +10670,7 @@
         <p:spPr>
           <a:xfrm>
             <a:off x="586440" y="1246680"/>
-            <a:ext cx="4003200" cy="3598920"/>
+            <a:ext cx="4002840" cy="3598560"/>
           </a:xfrm>
           <a:prstGeom prst="rect">
             <a:avLst/>
@@ -10722,7 +10722,7 @@
         <p:spPr>
           <a:xfrm>
             <a:off x="586440" y="453960"/>
-            <a:ext cx="4763160" cy="854280"/>
+            <a:ext cx="4762800" cy="853920"/>
           </a:xfrm>
           <a:prstGeom prst="rect">
             <a:avLst/>
@@ -10810,8 +10810,8 @@
         </p:nvSpPr>
         <p:spPr>
           <a:xfrm rot="2745600">
-            <a:off x="8349840" y="-667800"/>
-            <a:ext cx="1497240" cy="1497240"/>
+            <a:off x="8350200" y="-667800"/>
+            <a:ext cx="1496880" cy="1496880"/>
           </a:xfrm>
           <a:prstGeom prst="roundRect">
             <a:avLst>
@@ -10848,8 +10848,8 @@
         </p:nvSpPr>
         <p:spPr>
           <a:xfrm rot="2745600">
-            <a:off x="7634160" y="-322200"/>
-            <a:ext cx="806040" cy="806400"/>
+            <a:off x="7634160" y="-321840"/>
+            <a:ext cx="805680" cy="806040"/>
           </a:xfrm>
           <a:prstGeom prst="roundRect">
             <a:avLst>
@@ -10888,7 +10888,7 @@
         <p:spPr>
           <a:xfrm>
             <a:off x="586440" y="899640"/>
-            <a:ext cx="7930800" cy="1536120"/>
+            <a:ext cx="7930440" cy="1535760"/>
           </a:xfrm>
           <a:prstGeom prst="rect">
             <a:avLst/>
@@ -10940,7 +10940,7 @@
         <p:spPr>
           <a:xfrm>
             <a:off x="608040" y="2545560"/>
-            <a:ext cx="3711240" cy="2254680"/>
+            <a:ext cx="3710880" cy="2254320"/>
           </a:xfrm>
           <a:prstGeom prst="rect">
             <a:avLst/>
@@ -10992,7 +10992,7 @@
         <p:spPr>
           <a:xfrm>
             <a:off x="4806360" y="2545560"/>
-            <a:ext cx="3711240" cy="2254680"/>
+            <a:ext cx="3710880" cy="2254320"/>
           </a:xfrm>
           <a:prstGeom prst="rect">
             <a:avLst/>
@@ -11044,7 +11044,7 @@
         <p:spPr>
           <a:xfrm>
             <a:off x="583200" y="450720"/>
-            <a:ext cx="7197120" cy="511200"/>
+            <a:ext cx="7196760" cy="510840"/>
           </a:xfrm>
           <a:prstGeom prst="rect">
             <a:avLst/>
@@ -11126,7 +11126,7 @@
         <p:spPr>
           <a:xfrm>
             <a:off x="586440" y="1246680"/>
-            <a:ext cx="4003200" cy="3598920"/>
+            <a:ext cx="4002840" cy="3598560"/>
           </a:xfrm>
           <a:prstGeom prst="rect">
             <a:avLst/>
@@ -11178,7 +11178,7 @@
         <p:spPr>
           <a:xfrm>
             <a:off x="559800" y="446040"/>
-            <a:ext cx="4282560" cy="682560"/>
+            <a:ext cx="4282200" cy="682200"/>
           </a:xfrm>
           <a:prstGeom prst="rect">
             <a:avLst/>
@@ -11230,7 +11230,7 @@
         <p:spPr>
           <a:xfrm>
             <a:off x="5097600" y="360"/>
-            <a:ext cx="4378680" cy="5142960"/>
+            <a:ext cx="4378320" cy="5142600"/>
           </a:xfrm>
           <a:prstGeom prst="roundRect">
             <a:avLst>
@@ -11295,8 +11295,8 @@
         </p:nvSpPr>
         <p:spPr>
           <a:xfrm rot="2744400">
-            <a:off x="-279720" y="-25560"/>
-            <a:ext cx="703440" cy="703080"/>
+            <a:off x="-279360" y="-25560"/>
+            <a:ext cx="703080" cy="702720"/>
           </a:xfrm>
           <a:prstGeom prst="roundRect">
             <a:avLst>
@@ -11333,8 +11333,8 @@
         </p:nvSpPr>
         <p:spPr>
           <a:xfrm rot="2625600">
-            <a:off x="4861080" y="4146120"/>
-            <a:ext cx="467280" cy="467280"/>
+            <a:off x="4861080" y="4145760"/>
+            <a:ext cx="466920" cy="466920"/>
           </a:xfrm>
           <a:prstGeom prst="roundRect">
             <a:avLst>
@@ -11408,8 +11408,8 @@
         </p:nvSpPr>
         <p:spPr>
           <a:xfrm rot="2744400">
-            <a:off x="-348840" y="4539240"/>
-            <a:ext cx="703440" cy="703080"/>
+            <a:off x="-348480" y="4538880"/>
+            <a:ext cx="703080" cy="702720"/>
           </a:xfrm>
           <a:prstGeom prst="roundRect">
             <a:avLst>
@@ -11446,8 +11446,8 @@
         </p:nvSpPr>
         <p:spPr>
           <a:xfrm rot="19228200">
-            <a:off x="5845680" y="-2265480"/>
-            <a:ext cx="4854240" cy="7725240"/>
+            <a:off x="5845320" y="-2265120"/>
+            <a:ext cx="4853880" cy="7724880"/>
           </a:xfrm>
           <a:prstGeom prst="roundRect">
             <a:avLst>
@@ -11485,9 +11485,9 @@
         <p:grpSpPr>
           <a:xfrm>
             <a:off x="4571640" y="828000"/>
-            <a:ext cx="4467240" cy="3563280"/>
+            <a:ext cx="4466880" cy="3562920"/>
             <a:chOff x="4571640" y="828000"/>
-            <a:chExt cx="4467240" cy="3563280"/>
+            <a:chExt cx="4466880" cy="3562920"/>
           </a:xfrm>
         </p:grpSpPr>
         <p:pic>
@@ -11503,7 +11503,7 @@
           <p:spPr>
             <a:xfrm>
               <a:off x="4571640" y="828000"/>
-              <a:ext cx="4467240" cy="3563280"/>
+              <a:ext cx="4466880" cy="3562920"/>
             </a:xfrm>
             <a:prstGeom prst="rect">
               <a:avLst/>
@@ -11521,8 +11521,8 @@
           </p:nvSpPr>
           <p:spPr>
             <a:xfrm rot="16200000">
-              <a:off x="5962680" y="1159920"/>
-              <a:ext cx="1736280" cy="2770200"/>
+              <a:off x="5962680" y="1160280"/>
+              <a:ext cx="1735920" cy="2769840"/>
             </a:xfrm>
             <a:prstGeom prst="roundRect">
               <a:avLst>
@@ -11589,7 +11589,7 @@
         <p:spPr>
           <a:xfrm>
             <a:off x="586440" y="1246680"/>
-            <a:ext cx="4003200" cy="3598920"/>
+            <a:ext cx="4002840" cy="3598560"/>
           </a:xfrm>
           <a:prstGeom prst="rect">
             <a:avLst/>
@@ -11641,7 +11641,7 @@
         <p:spPr>
           <a:xfrm>
             <a:off x="5446080" y="1672200"/>
-            <a:ext cx="2779200" cy="1736280"/>
+            <a:ext cx="2778840" cy="1735920"/>
           </a:xfrm>
           <a:prstGeom prst="rect">
             <a:avLst/>
@@ -11693,7 +11693,7 @@
         <p:spPr>
           <a:xfrm>
             <a:off x="586440" y="453960"/>
-            <a:ext cx="3695760" cy="854280"/>
+            <a:ext cx="3695400" cy="853920"/>
           </a:xfrm>
           <a:prstGeom prst="rect">
             <a:avLst/>
@@ -11782,7 +11782,7 @@
         <p:spPr>
           <a:xfrm>
             <a:off x="4222080" y="1246680"/>
-            <a:ext cx="4114080" cy="3598920"/>
+            <a:ext cx="4113720" cy="3598560"/>
           </a:xfrm>
           <a:prstGeom prst="rect">
             <a:avLst/>
@@ -11833,8 +11833,8 @@
         </p:nvSpPr>
         <p:spPr>
           <a:xfrm rot="16200000">
-            <a:off x="-2181600" y="1734480"/>
-            <a:ext cx="5142960" cy="1683000"/>
+            <a:off x="-2181600" y="1734840"/>
+            <a:ext cx="5142600" cy="1682640"/>
           </a:xfrm>
           <a:prstGeom prst="roundRect">
             <a:avLst>
@@ -11871,8 +11871,8 @@
         </p:nvSpPr>
         <p:spPr>
           <a:xfrm rot="2745000">
-            <a:off x="8575200" y="102960"/>
-            <a:ext cx="1131480" cy="1131120"/>
+            <a:off x="8575200" y="102600"/>
+            <a:ext cx="1131120" cy="1130760"/>
           </a:xfrm>
           <a:prstGeom prst="roundRect">
             <a:avLst>
@@ -11909,8 +11909,8 @@
         </p:nvSpPr>
         <p:spPr>
           <a:xfrm rot="16200000">
-            <a:off x="614880" y="919800"/>
-            <a:ext cx="3231000" cy="3312720"/>
+            <a:off x="614880" y="920160"/>
+            <a:ext cx="3230640" cy="3312360"/>
           </a:xfrm>
           <a:prstGeom prst="roundRect">
             <a:avLst>
@@ -11976,7 +11976,7 @@
         <p:spPr>
           <a:xfrm>
             <a:off x="4214160" y="456120"/>
-            <a:ext cx="4110840" cy="854280"/>
+            <a:ext cx="4110480" cy="853920"/>
           </a:xfrm>
           <a:prstGeom prst="rect">
             <a:avLst/>
@@ -12064,8 +12064,8 @@
         </p:nvSpPr>
         <p:spPr>
           <a:xfrm rot="2744400">
-            <a:off x="-279720" y="-25560"/>
-            <a:ext cx="703440" cy="703080"/>
+            <a:off x="-279360" y="-25560"/>
+            <a:ext cx="703080" cy="702720"/>
           </a:xfrm>
           <a:prstGeom prst="roundRect">
             <a:avLst>
@@ -12102,8 +12102,8 @@
         </p:nvSpPr>
         <p:spPr>
           <a:xfrm rot="2332200">
-            <a:off x="6009120" y="-319680"/>
-            <a:ext cx="4854600" cy="7725600"/>
+            <a:off x="6009120" y="-319320"/>
+            <a:ext cx="4854240" cy="7725240"/>
           </a:xfrm>
           <a:prstGeom prst="roundRect">
             <a:avLst>
@@ -12141,9 +12141,9 @@
         <p:grpSpPr>
           <a:xfrm>
             <a:off x="4571640" y="828000"/>
-            <a:ext cx="4467240" cy="3563280"/>
+            <a:ext cx="4466880" cy="3562920"/>
             <a:chOff x="4571640" y="828000"/>
-            <a:chExt cx="4467240" cy="3563280"/>
+            <a:chExt cx="4466880" cy="3562920"/>
           </a:xfrm>
         </p:grpSpPr>
         <p:pic>
@@ -12159,7 +12159,7 @@
           <p:spPr>
             <a:xfrm>
               <a:off x="4571640" y="828000"/>
-              <a:ext cx="4467240" cy="3563280"/>
+              <a:ext cx="4466880" cy="3562920"/>
             </a:xfrm>
             <a:prstGeom prst="rect">
               <a:avLst/>
@@ -12177,8 +12177,8 @@
           </p:nvSpPr>
           <p:spPr>
             <a:xfrm rot="16200000">
-              <a:off x="5962680" y="1159920"/>
-              <a:ext cx="1736280" cy="2770200"/>
+              <a:off x="5962680" y="1160280"/>
+              <a:ext cx="1735920" cy="2769840"/>
             </a:xfrm>
             <a:prstGeom prst="roundRect">
               <a:avLst>
@@ -12245,7 +12245,7 @@
         <p:spPr>
           <a:xfrm>
             <a:off x="5446080" y="1672200"/>
-            <a:ext cx="2769840" cy="1736280"/>
+            <a:ext cx="2769480" cy="1735920"/>
           </a:xfrm>
           <a:prstGeom prst="rect">
             <a:avLst/>
@@ -12297,7 +12297,7 @@
         <p:spPr>
           <a:xfrm>
             <a:off x="586440" y="1246680"/>
-            <a:ext cx="4003200" cy="3598920"/>
+            <a:ext cx="4002840" cy="3598560"/>
           </a:xfrm>
           <a:prstGeom prst="rect">
             <a:avLst/>
@@ -12349,7 +12349,7 @@
         <p:spPr>
           <a:xfrm>
             <a:off x="586440" y="453960"/>
-            <a:ext cx="4763160" cy="854280"/>
+            <a:ext cx="4762800" cy="853920"/>
           </a:xfrm>
           <a:prstGeom prst="rect">
             <a:avLst/>
@@ -12437,8 +12437,8 @@
         </p:nvSpPr>
         <p:spPr>
           <a:xfrm rot="2745600">
-            <a:off x="8349840" y="-667800"/>
-            <a:ext cx="1497240" cy="1497240"/>
+            <a:off x="8350200" y="-667800"/>
+            <a:ext cx="1496880" cy="1496880"/>
           </a:xfrm>
           <a:prstGeom prst="roundRect">
             <a:avLst>
@@ -12475,8 +12475,8 @@
         </p:nvSpPr>
         <p:spPr>
           <a:xfrm rot="2745600">
-            <a:off x="7634160" y="-322200"/>
-            <a:ext cx="806040" cy="806400"/>
+            <a:off x="7634160" y="-321840"/>
+            <a:ext cx="805680" cy="806040"/>
           </a:xfrm>
           <a:prstGeom prst="roundRect">
             <a:avLst>
@@ -12515,7 +12515,7 @@
         <p:spPr>
           <a:xfrm>
             <a:off x="586440" y="899640"/>
-            <a:ext cx="7930800" cy="1536120"/>
+            <a:ext cx="7930440" cy="1535760"/>
           </a:xfrm>
           <a:prstGeom prst="rect">
             <a:avLst/>
@@ -12567,7 +12567,7 @@
         <p:spPr>
           <a:xfrm>
             <a:off x="608040" y="2545560"/>
-            <a:ext cx="3711240" cy="2254680"/>
+            <a:ext cx="3710880" cy="2254320"/>
           </a:xfrm>
           <a:prstGeom prst="rect">
             <a:avLst/>
@@ -12619,7 +12619,7 @@
         <p:spPr>
           <a:xfrm>
             <a:off x="4806360" y="2545560"/>
-            <a:ext cx="3711240" cy="2254680"/>
+            <a:ext cx="3710880" cy="2254320"/>
           </a:xfrm>
           <a:prstGeom prst="rect">
             <a:avLst/>
@@ -12671,7 +12671,7 @@
         <p:spPr>
           <a:xfrm>
             <a:off x="583200" y="450720"/>
-            <a:ext cx="7197120" cy="511200"/>
+            <a:ext cx="7196760" cy="510840"/>
           </a:xfrm>
           <a:prstGeom prst="rect">
             <a:avLst/>
@@ -12753,7 +12753,7 @@
         <p:spPr>
           <a:xfrm>
             <a:off x="586440" y="1246680"/>
-            <a:ext cx="4003200" cy="3598920"/>
+            <a:ext cx="4002840" cy="3598560"/>
           </a:xfrm>
           <a:prstGeom prst="rect">
             <a:avLst/>
@@ -12805,7 +12805,7 @@
         <p:spPr>
           <a:xfrm>
             <a:off x="559800" y="446040"/>
-            <a:ext cx="4282560" cy="682560"/>
+            <a:ext cx="4282200" cy="682200"/>
           </a:xfrm>
           <a:prstGeom prst="rect">
             <a:avLst/>
@@ -12857,7 +12857,7 @@
         <p:spPr>
           <a:xfrm>
             <a:off x="5097600" y="360"/>
-            <a:ext cx="4378680" cy="5142960"/>
+            <a:ext cx="4378320" cy="5142600"/>
           </a:xfrm>
           <a:prstGeom prst="roundRect">
             <a:avLst>
@@ -12922,8 +12922,8 @@
         </p:nvSpPr>
         <p:spPr>
           <a:xfrm rot="2744400">
-            <a:off x="-279720" y="-25560"/>
-            <a:ext cx="703440" cy="703080"/>
+            <a:off x="-279360" y="-25560"/>
+            <a:ext cx="703080" cy="702720"/>
           </a:xfrm>
           <a:prstGeom prst="roundRect">
             <a:avLst>
@@ -12960,8 +12960,8 @@
         </p:nvSpPr>
         <p:spPr>
           <a:xfrm rot="2625600">
-            <a:off x="4861080" y="4146120"/>
-            <a:ext cx="467280" cy="467280"/>
+            <a:off x="4861080" y="4145760"/>
+            <a:ext cx="466920" cy="466920"/>
           </a:xfrm>
           <a:prstGeom prst="roundRect">
             <a:avLst>
@@ -13035,8 +13035,8 @@
         </p:nvSpPr>
         <p:spPr>
           <a:xfrm rot="2744400">
-            <a:off x="-348840" y="4539240"/>
-            <a:ext cx="703440" cy="703080"/>
+            <a:off x="-348480" y="4538880"/>
+            <a:ext cx="703080" cy="702720"/>
           </a:xfrm>
           <a:prstGeom prst="roundRect">
             <a:avLst>
@@ -13073,8 +13073,8 @@
         </p:nvSpPr>
         <p:spPr>
           <a:xfrm rot="19228200">
-            <a:off x="5845680" y="-2265480"/>
-            <a:ext cx="4854240" cy="7725240"/>
+            <a:off x="5845320" y="-2265120"/>
+            <a:ext cx="4853880" cy="7724880"/>
           </a:xfrm>
           <a:prstGeom prst="roundRect">
             <a:avLst>
@@ -13112,9 +13112,9 @@
         <p:grpSpPr>
           <a:xfrm>
             <a:off x="4571640" y="828000"/>
-            <a:ext cx="4467240" cy="3563280"/>
+            <a:ext cx="4466880" cy="3562920"/>
             <a:chOff x="4571640" y="828000"/>
-            <a:chExt cx="4467240" cy="3563280"/>
+            <a:chExt cx="4466880" cy="3562920"/>
           </a:xfrm>
         </p:grpSpPr>
         <p:pic>
@@ -13130,7 +13130,7 @@
           <p:spPr>
             <a:xfrm>
               <a:off x="4571640" y="828000"/>
-              <a:ext cx="4467240" cy="3563280"/>
+              <a:ext cx="4466880" cy="3562920"/>
             </a:xfrm>
             <a:prstGeom prst="rect">
               <a:avLst/>
@@ -13148,8 +13148,8 @@
           </p:nvSpPr>
           <p:spPr>
             <a:xfrm rot="16200000">
-              <a:off x="5962680" y="1159920"/>
-              <a:ext cx="1736280" cy="2770200"/>
+              <a:off x="5962680" y="1160280"/>
+              <a:ext cx="1735920" cy="2769840"/>
             </a:xfrm>
             <a:prstGeom prst="roundRect">
               <a:avLst>
@@ -13216,7 +13216,7 @@
         <p:spPr>
           <a:xfrm>
             <a:off x="586440" y="1246680"/>
-            <a:ext cx="4003200" cy="3598920"/>
+            <a:ext cx="4002840" cy="3598560"/>
           </a:xfrm>
           <a:prstGeom prst="rect">
             <a:avLst/>
@@ -13268,7 +13268,7 @@
         <p:spPr>
           <a:xfrm>
             <a:off x="5446080" y="1672200"/>
-            <a:ext cx="2779200" cy="1736280"/>
+            <a:ext cx="2778840" cy="1735920"/>
           </a:xfrm>
           <a:prstGeom prst="rect">
             <a:avLst/>
@@ -13320,7 +13320,7 @@
         <p:spPr>
           <a:xfrm>
             <a:off x="586440" y="453960"/>
-            <a:ext cx="3695760" cy="854280"/>
+            <a:ext cx="3695400" cy="853920"/>
           </a:xfrm>
           <a:prstGeom prst="rect">
             <a:avLst/>
@@ -13409,7 +13409,7 @@
         <p:spPr>
           <a:xfrm>
             <a:off x="4222080" y="1246680"/>
-            <a:ext cx="4114080" cy="3598920"/>
+            <a:ext cx="4113720" cy="3598560"/>
           </a:xfrm>
           <a:prstGeom prst="rect">
             <a:avLst/>
@@ -13460,8 +13460,8 @@
         </p:nvSpPr>
         <p:spPr>
           <a:xfrm rot="16200000">
-            <a:off x="-2181600" y="1734480"/>
-            <a:ext cx="5142960" cy="1683000"/>
+            <a:off x="-2181600" y="1734840"/>
+            <a:ext cx="5142600" cy="1682640"/>
           </a:xfrm>
           <a:prstGeom prst="roundRect">
             <a:avLst>
@@ -13498,8 +13498,8 @@
         </p:nvSpPr>
         <p:spPr>
           <a:xfrm rot="2745000">
-            <a:off x="8575200" y="102960"/>
-            <a:ext cx="1131480" cy="1131120"/>
+            <a:off x="8575200" y="102600"/>
+            <a:ext cx="1131120" cy="1130760"/>
           </a:xfrm>
           <a:prstGeom prst="roundRect">
             <a:avLst>
@@ -13536,8 +13536,8 @@
         </p:nvSpPr>
         <p:spPr>
           <a:xfrm rot="16200000">
-            <a:off x="614880" y="919800"/>
-            <a:ext cx="3231000" cy="3312720"/>
+            <a:off x="614880" y="920160"/>
+            <a:ext cx="3230640" cy="3312360"/>
           </a:xfrm>
           <a:prstGeom prst="roundRect">
             <a:avLst>
@@ -13603,7 +13603,7 @@
         <p:spPr>
           <a:xfrm>
             <a:off x="4214160" y="456120"/>
-            <a:ext cx="4110840" cy="854280"/>
+            <a:ext cx="4110480" cy="853920"/>
           </a:xfrm>
           <a:prstGeom prst="rect">
             <a:avLst/>
@@ -13685,7 +13685,7 @@
         <p:spPr>
           <a:xfrm>
             <a:off x="586440" y="1246680"/>
-            <a:ext cx="4003200" cy="3598920"/>
+            <a:ext cx="4002840" cy="3598560"/>
           </a:xfrm>
           <a:prstGeom prst="rect">
             <a:avLst/>
@@ -13737,7 +13737,7 @@
         <p:spPr>
           <a:xfrm>
             <a:off x="559800" y="446040"/>
-            <a:ext cx="4282560" cy="682560"/>
+            <a:ext cx="4282200" cy="682200"/>
           </a:xfrm>
           <a:prstGeom prst="rect">
             <a:avLst/>
@@ -13789,7 +13789,7 @@
         <p:spPr>
           <a:xfrm>
             <a:off x="5097600" y="360"/>
-            <a:ext cx="4378680" cy="5142960"/>
+            <a:ext cx="4378320" cy="5142600"/>
           </a:xfrm>
           <a:prstGeom prst="roundRect">
             <a:avLst>
@@ -13854,8 +13854,8 @@
         </p:nvSpPr>
         <p:spPr>
           <a:xfrm rot="2744400">
-            <a:off x="-279720" y="-25560"/>
-            <a:ext cx="703440" cy="703080"/>
+            <a:off x="-279360" y="-25560"/>
+            <a:ext cx="703080" cy="702720"/>
           </a:xfrm>
           <a:prstGeom prst="roundRect">
             <a:avLst>
@@ -13892,8 +13892,8 @@
         </p:nvSpPr>
         <p:spPr>
           <a:xfrm rot="2625600">
-            <a:off x="4861080" y="4146120"/>
-            <a:ext cx="467280" cy="467280"/>
+            <a:off x="4861080" y="4145760"/>
+            <a:ext cx="466920" cy="466920"/>
           </a:xfrm>
           <a:prstGeom prst="roundRect">
             <a:avLst>
@@ -13967,8 +13967,8 @@
         </p:nvSpPr>
         <p:spPr>
           <a:xfrm rot="2744400">
-            <a:off x="-279720" y="-25560"/>
-            <a:ext cx="703440" cy="703080"/>
+            <a:off x="-279360" y="-25560"/>
+            <a:ext cx="703080" cy="702720"/>
           </a:xfrm>
           <a:prstGeom prst="roundRect">
             <a:avLst>
@@ -14005,8 +14005,8 @@
         </p:nvSpPr>
         <p:spPr>
           <a:xfrm rot="2332200">
-            <a:off x="6009120" y="-319680"/>
-            <a:ext cx="4854600" cy="7725600"/>
+            <a:off x="6009120" y="-319320"/>
+            <a:ext cx="4854240" cy="7725240"/>
           </a:xfrm>
           <a:prstGeom prst="roundRect">
             <a:avLst>
@@ -14044,9 +14044,9 @@
         <p:grpSpPr>
           <a:xfrm>
             <a:off x="4571640" y="828000"/>
-            <a:ext cx="4467240" cy="3563280"/>
+            <a:ext cx="4466880" cy="3562920"/>
             <a:chOff x="4571640" y="828000"/>
-            <a:chExt cx="4467240" cy="3563280"/>
+            <a:chExt cx="4466880" cy="3562920"/>
           </a:xfrm>
         </p:grpSpPr>
         <p:pic>
@@ -14062,7 +14062,7 @@
           <p:spPr>
             <a:xfrm>
               <a:off x="4571640" y="828000"/>
-              <a:ext cx="4467240" cy="3563280"/>
+              <a:ext cx="4466880" cy="3562920"/>
             </a:xfrm>
             <a:prstGeom prst="rect">
               <a:avLst/>
@@ -14080,8 +14080,8 @@
           </p:nvSpPr>
           <p:spPr>
             <a:xfrm rot="16200000">
-              <a:off x="5962680" y="1159920"/>
-              <a:ext cx="1736280" cy="2770200"/>
+              <a:off x="5962680" y="1160280"/>
+              <a:ext cx="1735920" cy="2769840"/>
             </a:xfrm>
             <a:prstGeom prst="roundRect">
               <a:avLst>
@@ -14148,7 +14148,7 @@
         <p:spPr>
           <a:xfrm>
             <a:off x="5446080" y="1672200"/>
-            <a:ext cx="2769840" cy="1736280"/>
+            <a:ext cx="2769480" cy="1735920"/>
           </a:xfrm>
           <a:prstGeom prst="rect">
             <a:avLst/>
@@ -14200,7 +14200,7 @@
         <p:spPr>
           <a:xfrm>
             <a:off x="586440" y="1246680"/>
-            <a:ext cx="4003200" cy="3598920"/>
+            <a:ext cx="4002840" cy="3598560"/>
           </a:xfrm>
           <a:prstGeom prst="rect">
             <a:avLst/>
@@ -14252,7 +14252,7 @@
         <p:spPr>
           <a:xfrm>
             <a:off x="586440" y="453960"/>
-            <a:ext cx="4763160" cy="854280"/>
+            <a:ext cx="4762800" cy="853920"/>
           </a:xfrm>
           <a:prstGeom prst="rect">
             <a:avLst/>
@@ -14340,8 +14340,8 @@
         </p:nvSpPr>
         <p:spPr>
           <a:xfrm rot="2745600">
-            <a:off x="8349840" y="-667800"/>
-            <a:ext cx="1497240" cy="1497240"/>
+            <a:off x="8350200" y="-667800"/>
+            <a:ext cx="1496880" cy="1496880"/>
           </a:xfrm>
           <a:prstGeom prst="roundRect">
             <a:avLst>
@@ -14378,8 +14378,8 @@
         </p:nvSpPr>
         <p:spPr>
           <a:xfrm rot="2745600">
-            <a:off x="7634160" y="-322200"/>
-            <a:ext cx="806040" cy="806400"/>
+            <a:off x="7634160" y="-321840"/>
+            <a:ext cx="805680" cy="806040"/>
           </a:xfrm>
           <a:prstGeom prst="roundRect">
             <a:avLst>
@@ -14418,7 +14418,7 @@
         <p:spPr>
           <a:xfrm>
             <a:off x="586440" y="899640"/>
-            <a:ext cx="7930800" cy="1536120"/>
+            <a:ext cx="7930440" cy="1535760"/>
           </a:xfrm>
           <a:prstGeom prst="rect">
             <a:avLst/>
@@ -14470,7 +14470,7 @@
         <p:spPr>
           <a:xfrm>
             <a:off x="608040" y="2545560"/>
-            <a:ext cx="3711240" cy="2254680"/>
+            <a:ext cx="3710880" cy="2254320"/>
           </a:xfrm>
           <a:prstGeom prst="rect">
             <a:avLst/>
@@ -14522,7 +14522,7 @@
         <p:spPr>
           <a:xfrm>
             <a:off x="4806360" y="2545560"/>
-            <a:ext cx="3711240" cy="2254680"/>
+            <a:ext cx="3710880" cy="2254320"/>
           </a:xfrm>
           <a:prstGeom prst="rect">
             <a:avLst/>
@@ -14574,7 +14574,7 @@
         <p:spPr>
           <a:xfrm>
             <a:off x="583200" y="450720"/>
-            <a:ext cx="7197120" cy="511200"/>
+            <a:ext cx="7196760" cy="510840"/>
           </a:xfrm>
           <a:prstGeom prst="rect">
             <a:avLst/>
@@ -14656,7 +14656,7 @@
         <p:spPr>
           <a:xfrm>
             <a:off x="586440" y="1246680"/>
-            <a:ext cx="4003200" cy="3598920"/>
+            <a:ext cx="4002840" cy="3598560"/>
           </a:xfrm>
           <a:prstGeom prst="rect">
             <a:avLst/>
@@ -14708,7 +14708,7 @@
         <p:spPr>
           <a:xfrm>
             <a:off x="559800" y="446040"/>
-            <a:ext cx="4282560" cy="682560"/>
+            <a:ext cx="4282200" cy="682200"/>
           </a:xfrm>
           <a:prstGeom prst="rect">
             <a:avLst/>
@@ -14760,7 +14760,7 @@
         <p:spPr>
           <a:xfrm>
             <a:off x="5097600" y="360"/>
-            <a:ext cx="4378680" cy="5142960"/>
+            <a:ext cx="4378320" cy="5142600"/>
           </a:xfrm>
           <a:prstGeom prst="roundRect">
             <a:avLst>
@@ -14825,8 +14825,8 @@
         </p:nvSpPr>
         <p:spPr>
           <a:xfrm rot="2744400">
-            <a:off x="-279720" y="-25560"/>
-            <a:ext cx="703440" cy="703080"/>
+            <a:off x="-279360" y="-25560"/>
+            <a:ext cx="703080" cy="702720"/>
           </a:xfrm>
           <a:prstGeom prst="roundRect">
             <a:avLst>
@@ -14863,8 +14863,8 @@
         </p:nvSpPr>
         <p:spPr>
           <a:xfrm rot="2625600">
-            <a:off x="4861080" y="4146120"/>
-            <a:ext cx="467280" cy="467280"/>
+            <a:off x="4861080" y="4145760"/>
+            <a:ext cx="466920" cy="466920"/>
           </a:xfrm>
           <a:prstGeom prst="roundRect">
             <a:avLst>
@@ -14938,8 +14938,8 @@
         </p:nvSpPr>
         <p:spPr>
           <a:xfrm rot="2744400">
-            <a:off x="-348840" y="4539240"/>
-            <a:ext cx="703440" cy="703080"/>
+            <a:off x="-348480" y="4538880"/>
+            <a:ext cx="703080" cy="702720"/>
           </a:xfrm>
           <a:prstGeom prst="roundRect">
             <a:avLst>
@@ -14976,8 +14976,8 @@
         </p:nvSpPr>
         <p:spPr>
           <a:xfrm rot="19228200">
-            <a:off x="5845680" y="-2265480"/>
-            <a:ext cx="4854240" cy="7725240"/>
+            <a:off x="5845320" y="-2265120"/>
+            <a:ext cx="4853880" cy="7724880"/>
           </a:xfrm>
           <a:prstGeom prst="roundRect">
             <a:avLst>
@@ -15015,9 +15015,9 @@
         <p:grpSpPr>
           <a:xfrm>
             <a:off x="4571640" y="828000"/>
-            <a:ext cx="4467240" cy="3563280"/>
+            <a:ext cx="4466880" cy="3562920"/>
             <a:chOff x="4571640" y="828000"/>
-            <a:chExt cx="4467240" cy="3563280"/>
+            <a:chExt cx="4466880" cy="3562920"/>
           </a:xfrm>
         </p:grpSpPr>
         <p:pic>
@@ -15033,7 +15033,7 @@
           <p:spPr>
             <a:xfrm>
               <a:off x="4571640" y="828000"/>
-              <a:ext cx="4467240" cy="3563280"/>
+              <a:ext cx="4466880" cy="3562920"/>
             </a:xfrm>
             <a:prstGeom prst="rect">
               <a:avLst/>
@@ -15051,8 +15051,8 @@
           </p:nvSpPr>
           <p:spPr>
             <a:xfrm rot="16200000">
-              <a:off x="5962680" y="1159920"/>
-              <a:ext cx="1736280" cy="2770200"/>
+              <a:off x="5962680" y="1160280"/>
+              <a:ext cx="1735920" cy="2769840"/>
             </a:xfrm>
             <a:prstGeom prst="roundRect">
               <a:avLst>
@@ -15119,7 +15119,7 @@
         <p:spPr>
           <a:xfrm>
             <a:off x="586440" y="1246680"/>
-            <a:ext cx="4003200" cy="3598920"/>
+            <a:ext cx="4002840" cy="3598560"/>
           </a:xfrm>
           <a:prstGeom prst="rect">
             <a:avLst/>
@@ -15171,7 +15171,7 @@
         <p:spPr>
           <a:xfrm>
             <a:off x="5446080" y="1672200"/>
-            <a:ext cx="2779200" cy="1736280"/>
+            <a:ext cx="2778840" cy="1735920"/>
           </a:xfrm>
           <a:prstGeom prst="rect">
             <a:avLst/>
@@ -15223,7 +15223,7 @@
         <p:spPr>
           <a:xfrm>
             <a:off x="586440" y="453960"/>
-            <a:ext cx="3695760" cy="854280"/>
+            <a:ext cx="3695400" cy="853920"/>
           </a:xfrm>
           <a:prstGeom prst="rect">
             <a:avLst/>
@@ -15312,7 +15312,7 @@
         <p:spPr>
           <a:xfrm>
             <a:off x="4222080" y="1246680"/>
-            <a:ext cx="4114080" cy="3598920"/>
+            <a:ext cx="4113720" cy="3598560"/>
           </a:xfrm>
           <a:prstGeom prst="rect">
             <a:avLst/>
@@ -15363,8 +15363,8 @@
         </p:nvSpPr>
         <p:spPr>
           <a:xfrm rot="16200000">
-            <a:off x="-2181600" y="1734480"/>
-            <a:ext cx="5142960" cy="1683000"/>
+            <a:off x="-2181600" y="1734840"/>
+            <a:ext cx="5142600" cy="1682640"/>
           </a:xfrm>
           <a:prstGeom prst="roundRect">
             <a:avLst>
@@ -15401,8 +15401,8 @@
         </p:nvSpPr>
         <p:spPr>
           <a:xfrm rot="2745000">
-            <a:off x="8575200" y="102960"/>
-            <a:ext cx="1131480" cy="1131120"/>
+            <a:off x="8575200" y="102600"/>
+            <a:ext cx="1131120" cy="1130760"/>
           </a:xfrm>
           <a:prstGeom prst="roundRect">
             <a:avLst>
@@ -15439,8 +15439,8 @@
         </p:nvSpPr>
         <p:spPr>
           <a:xfrm rot="16200000">
-            <a:off x="614880" y="919800"/>
-            <a:ext cx="3231000" cy="3312720"/>
+            <a:off x="614880" y="920160"/>
+            <a:ext cx="3230640" cy="3312360"/>
           </a:xfrm>
           <a:prstGeom prst="roundRect">
             <a:avLst>
@@ -15506,7 +15506,7 @@
         <p:spPr>
           <a:xfrm>
             <a:off x="4214160" y="456120"/>
-            <a:ext cx="4110840" cy="854280"/>
+            <a:ext cx="4110480" cy="853920"/>
           </a:xfrm>
           <a:prstGeom prst="rect">
             <a:avLst/>
@@ -15594,8 +15594,8 @@
         </p:nvSpPr>
         <p:spPr>
           <a:xfrm rot="2744400">
-            <a:off x="-279720" y="-25560"/>
-            <a:ext cx="703440" cy="703080"/>
+            <a:off x="-279360" y="-25560"/>
+            <a:ext cx="703080" cy="702720"/>
           </a:xfrm>
           <a:prstGeom prst="roundRect">
             <a:avLst>
@@ -15632,8 +15632,8 @@
         </p:nvSpPr>
         <p:spPr>
           <a:xfrm rot="2332200">
-            <a:off x="6009120" y="-319680"/>
-            <a:ext cx="4854600" cy="7725600"/>
+            <a:off x="6009120" y="-319320"/>
+            <a:ext cx="4854240" cy="7725240"/>
           </a:xfrm>
           <a:prstGeom prst="roundRect">
             <a:avLst>
@@ -15671,9 +15671,9 @@
         <p:grpSpPr>
           <a:xfrm>
             <a:off x="4571640" y="828000"/>
-            <a:ext cx="4467240" cy="3563280"/>
+            <a:ext cx="4466880" cy="3562920"/>
             <a:chOff x="4571640" y="828000"/>
-            <a:chExt cx="4467240" cy="3563280"/>
+            <a:chExt cx="4466880" cy="3562920"/>
           </a:xfrm>
         </p:grpSpPr>
         <p:pic>
@@ -15689,7 +15689,7 @@
           <p:spPr>
             <a:xfrm>
               <a:off x="4571640" y="828000"/>
-              <a:ext cx="4467240" cy="3563280"/>
+              <a:ext cx="4466880" cy="3562920"/>
             </a:xfrm>
             <a:prstGeom prst="rect">
               <a:avLst/>
@@ -15707,8 +15707,8 @@
           </p:nvSpPr>
           <p:spPr>
             <a:xfrm rot="16200000">
-              <a:off x="5962680" y="1159920"/>
-              <a:ext cx="1736280" cy="2770200"/>
+              <a:off x="5962680" y="1160280"/>
+              <a:ext cx="1735920" cy="2769840"/>
             </a:xfrm>
             <a:prstGeom prst="roundRect">
               <a:avLst>
@@ -15775,7 +15775,7 @@
         <p:spPr>
           <a:xfrm>
             <a:off x="5446080" y="1672200"/>
-            <a:ext cx="2769840" cy="1736280"/>
+            <a:ext cx="2769480" cy="1735920"/>
           </a:xfrm>
           <a:prstGeom prst="rect">
             <a:avLst/>
@@ -15827,7 +15827,7 @@
         <p:spPr>
           <a:xfrm>
             <a:off x="586440" y="1246680"/>
-            <a:ext cx="4003200" cy="3598920"/>
+            <a:ext cx="4002840" cy="3598560"/>
           </a:xfrm>
           <a:prstGeom prst="rect">
             <a:avLst/>
@@ -15879,7 +15879,7 @@
         <p:spPr>
           <a:xfrm>
             <a:off x="586440" y="453960"/>
-            <a:ext cx="4763160" cy="854280"/>
+            <a:ext cx="4762800" cy="853920"/>
           </a:xfrm>
           <a:prstGeom prst="rect">
             <a:avLst/>
@@ -15967,8 +15967,8 @@
         </p:nvSpPr>
         <p:spPr>
           <a:xfrm rot="2745600">
-            <a:off x="8349840" y="-667800"/>
-            <a:ext cx="1497240" cy="1497240"/>
+            <a:off x="8350200" y="-667800"/>
+            <a:ext cx="1496880" cy="1496880"/>
           </a:xfrm>
           <a:prstGeom prst="roundRect">
             <a:avLst>
@@ -16005,8 +16005,8 @@
         </p:nvSpPr>
         <p:spPr>
           <a:xfrm rot="2745600">
-            <a:off x="7634160" y="-322200"/>
-            <a:ext cx="806040" cy="806400"/>
+            <a:off x="7634160" y="-321840"/>
+            <a:ext cx="805680" cy="806040"/>
           </a:xfrm>
           <a:prstGeom prst="roundRect">
             <a:avLst>
@@ -16045,7 +16045,7 @@
         <p:spPr>
           <a:xfrm>
             <a:off x="586440" y="899640"/>
-            <a:ext cx="7930800" cy="1536120"/>
+            <a:ext cx="7930440" cy="1535760"/>
           </a:xfrm>
           <a:prstGeom prst="rect">
             <a:avLst/>
@@ -16097,7 +16097,7 @@
         <p:spPr>
           <a:xfrm>
             <a:off x="608040" y="2545560"/>
-            <a:ext cx="3711240" cy="2254680"/>
+            <a:ext cx="3710880" cy="2254320"/>
           </a:xfrm>
           <a:prstGeom prst="rect">
             <a:avLst/>
@@ -16149,7 +16149,7 @@
         <p:spPr>
           <a:xfrm>
             <a:off x="4806360" y="2545560"/>
-            <a:ext cx="3711240" cy="2254680"/>
+            <a:ext cx="3710880" cy="2254320"/>
           </a:xfrm>
           <a:prstGeom prst="rect">
             <a:avLst/>
@@ -16201,7 +16201,7 @@
         <p:spPr>
           <a:xfrm>
             <a:off x="583200" y="450720"/>
-            <a:ext cx="7197120" cy="511200"/>
+            <a:ext cx="7196760" cy="510840"/>
           </a:xfrm>
           <a:prstGeom prst="rect">
             <a:avLst/>
@@ -16283,7 +16283,7 @@
         <p:spPr>
           <a:xfrm>
             <a:off x="586440" y="1246680"/>
-            <a:ext cx="4003200" cy="3598920"/>
+            <a:ext cx="4002840" cy="3598560"/>
           </a:xfrm>
           <a:prstGeom prst="rect">
             <a:avLst/>
@@ -16335,7 +16335,7 @@
         <p:spPr>
           <a:xfrm>
             <a:off x="559800" y="446040"/>
-            <a:ext cx="4282560" cy="682560"/>
+            <a:ext cx="4282200" cy="682200"/>
           </a:xfrm>
           <a:prstGeom prst="rect">
             <a:avLst/>
@@ -16387,7 +16387,7 @@
         <p:spPr>
           <a:xfrm>
             <a:off x="5097600" y="360"/>
-            <a:ext cx="4378680" cy="5142960"/>
+            <a:ext cx="4378320" cy="5142600"/>
           </a:xfrm>
           <a:prstGeom prst="roundRect">
             <a:avLst>
@@ -16452,8 +16452,8 @@
         </p:nvSpPr>
         <p:spPr>
           <a:xfrm rot="2744400">
-            <a:off x="-279720" y="-25560"/>
-            <a:ext cx="703440" cy="703080"/>
+            <a:off x="-279360" y="-25560"/>
+            <a:ext cx="703080" cy="702720"/>
           </a:xfrm>
           <a:prstGeom prst="roundRect">
             <a:avLst>
@@ -16490,8 +16490,8 @@
         </p:nvSpPr>
         <p:spPr>
           <a:xfrm rot="2625600">
-            <a:off x="4861080" y="4146120"/>
-            <a:ext cx="467280" cy="467280"/>
+            <a:off x="4861080" y="4145760"/>
+            <a:ext cx="466920" cy="466920"/>
           </a:xfrm>
           <a:prstGeom prst="roundRect">
             <a:avLst>
@@ -16565,8 +16565,8 @@
         </p:nvSpPr>
         <p:spPr>
           <a:xfrm rot="2744400">
-            <a:off x="-348840" y="4539240"/>
-            <a:ext cx="703440" cy="703080"/>
+            <a:off x="-348480" y="4538880"/>
+            <a:ext cx="703080" cy="702720"/>
           </a:xfrm>
           <a:prstGeom prst="roundRect">
             <a:avLst>
@@ -16603,8 +16603,8 @@
         </p:nvSpPr>
         <p:spPr>
           <a:xfrm rot="19228200">
-            <a:off x="5845680" y="-2265480"/>
-            <a:ext cx="4854240" cy="7725240"/>
+            <a:off x="5845320" y="-2265120"/>
+            <a:ext cx="4853880" cy="7724880"/>
           </a:xfrm>
           <a:prstGeom prst="roundRect">
             <a:avLst>
@@ -16642,9 +16642,9 @@
         <p:grpSpPr>
           <a:xfrm>
             <a:off x="4571640" y="828000"/>
-            <a:ext cx="4467240" cy="3563280"/>
+            <a:ext cx="4466880" cy="3562920"/>
             <a:chOff x="4571640" y="828000"/>
-            <a:chExt cx="4467240" cy="3563280"/>
+            <a:chExt cx="4466880" cy="3562920"/>
           </a:xfrm>
         </p:grpSpPr>
         <p:pic>
@@ -16660,7 +16660,7 @@
           <p:spPr>
             <a:xfrm>
               <a:off x="4571640" y="828000"/>
-              <a:ext cx="4467240" cy="3563280"/>
+              <a:ext cx="4466880" cy="3562920"/>
             </a:xfrm>
             <a:prstGeom prst="rect">
               <a:avLst/>
@@ -16678,8 +16678,8 @@
           </p:nvSpPr>
           <p:spPr>
             <a:xfrm rot="16200000">
-              <a:off x="5962680" y="1159920"/>
-              <a:ext cx="1736280" cy="2770200"/>
+              <a:off x="5962680" y="1160280"/>
+              <a:ext cx="1735920" cy="2769840"/>
             </a:xfrm>
             <a:prstGeom prst="roundRect">
               <a:avLst>
@@ -16746,7 +16746,7 @@
         <p:spPr>
           <a:xfrm>
             <a:off x="586440" y="1246680"/>
-            <a:ext cx="4003200" cy="3598920"/>
+            <a:ext cx="4002840" cy="3598560"/>
           </a:xfrm>
           <a:prstGeom prst="rect">
             <a:avLst/>
@@ -16798,7 +16798,7 @@
         <p:spPr>
           <a:xfrm>
             <a:off x="5446080" y="1672200"/>
-            <a:ext cx="2779200" cy="1736280"/>
+            <a:ext cx="2778840" cy="1735920"/>
           </a:xfrm>
           <a:prstGeom prst="rect">
             <a:avLst/>
@@ -16850,7 +16850,7 @@
         <p:spPr>
           <a:xfrm>
             <a:off x="586440" y="453960"/>
-            <a:ext cx="3695760" cy="854280"/>
+            <a:ext cx="3695400" cy="853920"/>
           </a:xfrm>
           <a:prstGeom prst="rect">
             <a:avLst/>
@@ -16939,7 +16939,7 @@
         <p:spPr>
           <a:xfrm>
             <a:off x="4222080" y="1246680"/>
-            <a:ext cx="4114080" cy="3598920"/>
+            <a:ext cx="4113720" cy="3598560"/>
           </a:xfrm>
           <a:prstGeom prst="rect">
             <a:avLst/>
@@ -16990,8 +16990,8 @@
         </p:nvSpPr>
         <p:spPr>
           <a:xfrm rot="16200000">
-            <a:off x="-2181600" y="1734480"/>
-            <a:ext cx="5142960" cy="1683000"/>
+            <a:off x="-2181600" y="1734840"/>
+            <a:ext cx="5142600" cy="1682640"/>
           </a:xfrm>
           <a:prstGeom prst="roundRect">
             <a:avLst>
@@ -17028,8 +17028,8 @@
         </p:nvSpPr>
         <p:spPr>
           <a:xfrm rot="2745000">
-            <a:off x="8575200" y="102960"/>
-            <a:ext cx="1131480" cy="1131120"/>
+            <a:off x="8575200" y="102600"/>
+            <a:ext cx="1131120" cy="1130760"/>
           </a:xfrm>
           <a:prstGeom prst="roundRect">
             <a:avLst>
@@ -17066,8 +17066,8 @@
         </p:nvSpPr>
         <p:spPr>
           <a:xfrm rot="16200000">
-            <a:off x="614880" y="919800"/>
-            <a:ext cx="3231000" cy="3312720"/>
+            <a:off x="614880" y="920160"/>
+            <a:ext cx="3230640" cy="3312360"/>
           </a:xfrm>
           <a:prstGeom prst="roundRect">
             <a:avLst>
@@ -17133,7 +17133,7 @@
         <p:spPr>
           <a:xfrm>
             <a:off x="4214160" y="456120"/>
-            <a:ext cx="4110840" cy="854280"/>
+            <a:ext cx="4110480" cy="853920"/>
           </a:xfrm>
           <a:prstGeom prst="rect">
             <a:avLst/>
@@ -17221,8 +17221,8 @@
         </p:nvSpPr>
         <p:spPr>
           <a:xfrm rot="2744400">
-            <a:off x="-348840" y="4539240"/>
-            <a:ext cx="703440" cy="703080"/>
+            <a:off x="-348480" y="4538880"/>
+            <a:ext cx="703080" cy="702720"/>
           </a:xfrm>
           <a:prstGeom prst="roundRect">
             <a:avLst>
@@ -17259,8 +17259,8 @@
         </p:nvSpPr>
         <p:spPr>
           <a:xfrm rot="19228200">
-            <a:off x="5845680" y="-2265480"/>
-            <a:ext cx="4854240" cy="7725240"/>
+            <a:off x="5845320" y="-2265120"/>
+            <a:ext cx="4853880" cy="7724880"/>
           </a:xfrm>
           <a:prstGeom prst="roundRect">
             <a:avLst>
@@ -17298,9 +17298,9 @@
         <p:grpSpPr>
           <a:xfrm>
             <a:off x="4571640" y="828000"/>
-            <a:ext cx="4467240" cy="3563280"/>
+            <a:ext cx="4466880" cy="3562920"/>
             <a:chOff x="4571640" y="828000"/>
-            <a:chExt cx="4467240" cy="3563280"/>
+            <a:chExt cx="4466880" cy="3562920"/>
           </a:xfrm>
         </p:grpSpPr>
         <p:pic>
@@ -17316,7 +17316,7 @@
           <p:spPr>
             <a:xfrm>
               <a:off x="4571640" y="828000"/>
-              <a:ext cx="4467240" cy="3563280"/>
+              <a:ext cx="4466880" cy="3562920"/>
             </a:xfrm>
             <a:prstGeom prst="rect">
               <a:avLst/>
@@ -17334,8 +17334,8 @@
           </p:nvSpPr>
           <p:spPr>
             <a:xfrm rot="16200000">
-              <a:off x="5962680" y="1159920"/>
-              <a:ext cx="1736280" cy="2770200"/>
+              <a:off x="5962680" y="1160280"/>
+              <a:ext cx="1735920" cy="2769840"/>
             </a:xfrm>
             <a:prstGeom prst="roundRect">
               <a:avLst>
@@ -17402,7 +17402,7 @@
         <p:spPr>
           <a:xfrm>
             <a:off x="586440" y="1246680"/>
-            <a:ext cx="4003200" cy="3598920"/>
+            <a:ext cx="4002840" cy="3598560"/>
           </a:xfrm>
           <a:prstGeom prst="rect">
             <a:avLst/>
@@ -17454,7 +17454,7 @@
         <p:spPr>
           <a:xfrm>
             <a:off x="5446080" y="1672200"/>
-            <a:ext cx="2779200" cy="1736280"/>
+            <a:ext cx="2778840" cy="1735920"/>
           </a:xfrm>
           <a:prstGeom prst="rect">
             <a:avLst/>
@@ -17506,7 +17506,7 @@
         <p:spPr>
           <a:xfrm>
             <a:off x="586440" y="453960"/>
-            <a:ext cx="3695760" cy="854280"/>
+            <a:ext cx="3695400" cy="853920"/>
           </a:xfrm>
           <a:prstGeom prst="rect">
             <a:avLst/>
@@ -17594,8 +17594,8 @@
         </p:nvSpPr>
         <p:spPr>
           <a:xfrm rot="2744400">
-            <a:off x="-279720" y="-25560"/>
-            <a:ext cx="703440" cy="703080"/>
+            <a:off x="-279360" y="-25560"/>
+            <a:ext cx="703080" cy="702720"/>
           </a:xfrm>
           <a:prstGeom prst="roundRect">
             <a:avLst>
@@ -17632,8 +17632,8 @@
         </p:nvSpPr>
         <p:spPr>
           <a:xfrm rot="2332200">
-            <a:off x="6009120" y="-319680"/>
-            <a:ext cx="4854600" cy="7725600"/>
+            <a:off x="6009120" y="-319320"/>
+            <a:ext cx="4854240" cy="7725240"/>
           </a:xfrm>
           <a:prstGeom prst="roundRect">
             <a:avLst>
@@ -17671,9 +17671,9 @@
         <p:grpSpPr>
           <a:xfrm>
             <a:off x="4571640" y="828000"/>
-            <a:ext cx="4467240" cy="3563280"/>
+            <a:ext cx="4466880" cy="3562920"/>
             <a:chOff x="4571640" y="828000"/>
-            <a:chExt cx="4467240" cy="3563280"/>
+            <a:chExt cx="4466880" cy="3562920"/>
           </a:xfrm>
         </p:grpSpPr>
         <p:pic>
@@ -17689,7 +17689,7 @@
           <p:spPr>
             <a:xfrm>
               <a:off x="4571640" y="828000"/>
-              <a:ext cx="4467240" cy="3563280"/>
+              <a:ext cx="4466880" cy="3562920"/>
             </a:xfrm>
             <a:prstGeom prst="rect">
               <a:avLst/>
@@ -17707,8 +17707,8 @@
           </p:nvSpPr>
           <p:spPr>
             <a:xfrm rot="16200000">
-              <a:off x="5962680" y="1159920"/>
-              <a:ext cx="1736280" cy="2770200"/>
+              <a:off x="5962680" y="1160280"/>
+              <a:ext cx="1735920" cy="2769840"/>
             </a:xfrm>
             <a:prstGeom prst="roundRect">
               <a:avLst>
@@ -17775,7 +17775,7 @@
         <p:spPr>
           <a:xfrm>
             <a:off x="5446080" y="1672200"/>
-            <a:ext cx="2769840" cy="1736280"/>
+            <a:ext cx="2769480" cy="1735920"/>
           </a:xfrm>
           <a:prstGeom prst="rect">
             <a:avLst/>
@@ -17827,7 +17827,7 @@
         <p:spPr>
           <a:xfrm>
             <a:off x="586440" y="1246680"/>
-            <a:ext cx="4003200" cy="3598920"/>
+            <a:ext cx="4002840" cy="3598560"/>
           </a:xfrm>
           <a:prstGeom prst="rect">
             <a:avLst/>
@@ -17879,7 +17879,7 @@
         <p:spPr>
           <a:xfrm>
             <a:off x="586440" y="453960"/>
-            <a:ext cx="4763160" cy="854280"/>
+            <a:ext cx="4762800" cy="853920"/>
           </a:xfrm>
           <a:prstGeom prst="rect">
             <a:avLst/>
@@ -17967,8 +17967,8 @@
         </p:nvSpPr>
         <p:spPr>
           <a:xfrm rot="2745600">
-            <a:off x="8349840" y="-667800"/>
-            <a:ext cx="1497240" cy="1497240"/>
+            <a:off x="8350200" y="-667800"/>
+            <a:ext cx="1496880" cy="1496880"/>
           </a:xfrm>
           <a:prstGeom prst="roundRect">
             <a:avLst>
@@ -18005,8 +18005,8 @@
         </p:nvSpPr>
         <p:spPr>
           <a:xfrm rot="2745600">
-            <a:off x="7634160" y="-322200"/>
-            <a:ext cx="806040" cy="806400"/>
+            <a:off x="7634160" y="-321840"/>
+            <a:ext cx="805680" cy="806040"/>
           </a:xfrm>
           <a:prstGeom prst="roundRect">
             <a:avLst>
@@ -18045,7 +18045,7 @@
         <p:spPr>
           <a:xfrm>
             <a:off x="586440" y="899640"/>
-            <a:ext cx="7930800" cy="1536120"/>
+            <a:ext cx="7930440" cy="1535760"/>
           </a:xfrm>
           <a:prstGeom prst="rect">
             <a:avLst/>
@@ -18097,7 +18097,7 @@
         <p:spPr>
           <a:xfrm>
             <a:off x="608040" y="2545560"/>
-            <a:ext cx="3711240" cy="2254680"/>
+            <a:ext cx="3710880" cy="2254320"/>
           </a:xfrm>
           <a:prstGeom prst="rect">
             <a:avLst/>
@@ -18149,7 +18149,7 @@
         <p:spPr>
           <a:xfrm>
             <a:off x="4806360" y="2545560"/>
-            <a:ext cx="3711240" cy="2254680"/>
+            <a:ext cx="3710880" cy="2254320"/>
           </a:xfrm>
           <a:prstGeom prst="rect">
             <a:avLst/>
@@ -18201,7 +18201,7 @@
         <p:spPr>
           <a:xfrm>
             <a:off x="583200" y="450720"/>
-            <a:ext cx="7197120" cy="511200"/>
+            <a:ext cx="7196760" cy="510840"/>
           </a:xfrm>
           <a:prstGeom prst="rect">
             <a:avLst/>
@@ -18283,7 +18283,7 @@
         <p:spPr>
           <a:xfrm>
             <a:off x="586440" y="1246680"/>
-            <a:ext cx="4003200" cy="3598920"/>
+            <a:ext cx="4002840" cy="3598560"/>
           </a:xfrm>
           <a:prstGeom prst="rect">
             <a:avLst/>
@@ -18335,7 +18335,7 @@
         <p:spPr>
           <a:xfrm>
             <a:off x="559800" y="446040"/>
-            <a:ext cx="4282560" cy="682560"/>
+            <a:ext cx="4282200" cy="682200"/>
           </a:xfrm>
           <a:prstGeom prst="rect">
             <a:avLst/>
@@ -18387,7 +18387,7 @@
         <p:spPr>
           <a:xfrm>
             <a:off x="5097600" y="360"/>
-            <a:ext cx="4378680" cy="5142960"/>
+            <a:ext cx="4378320" cy="5142600"/>
           </a:xfrm>
           <a:prstGeom prst="roundRect">
             <a:avLst>
@@ -18452,8 +18452,8 @@
         </p:nvSpPr>
         <p:spPr>
           <a:xfrm rot="2744400">
-            <a:off x="-279720" y="-25560"/>
-            <a:ext cx="703440" cy="703080"/>
+            <a:off x="-279360" y="-25560"/>
+            <a:ext cx="703080" cy="702720"/>
           </a:xfrm>
           <a:prstGeom prst="roundRect">
             <a:avLst>
@@ -18490,8 +18490,8 @@
         </p:nvSpPr>
         <p:spPr>
           <a:xfrm rot="2625600">
-            <a:off x="4861080" y="4146120"/>
-            <a:ext cx="467280" cy="467280"/>
+            <a:off x="4861080" y="4145760"/>
+            <a:ext cx="466920" cy="466920"/>
           </a:xfrm>
           <a:prstGeom prst="roundRect">
             <a:avLst>
@@ -18565,8 +18565,8 @@
         </p:nvSpPr>
         <p:spPr>
           <a:xfrm rot="2744400">
-            <a:off x="-348840" y="4539240"/>
-            <a:ext cx="703440" cy="703080"/>
+            <a:off x="-348480" y="4538880"/>
+            <a:ext cx="703080" cy="702720"/>
           </a:xfrm>
           <a:prstGeom prst="roundRect">
             <a:avLst>
@@ -18603,8 +18603,8 @@
         </p:nvSpPr>
         <p:spPr>
           <a:xfrm rot="19228200">
-            <a:off x="5845680" y="-2265480"/>
-            <a:ext cx="4854240" cy="7725240"/>
+            <a:off x="5845320" y="-2265120"/>
+            <a:ext cx="4853880" cy="7724880"/>
           </a:xfrm>
           <a:prstGeom prst="roundRect">
             <a:avLst>
@@ -18642,9 +18642,9 @@
         <p:grpSpPr>
           <a:xfrm>
             <a:off x="4571640" y="828000"/>
-            <a:ext cx="4467240" cy="3563280"/>
+            <a:ext cx="4466880" cy="3562920"/>
             <a:chOff x="4571640" y="828000"/>
-            <a:chExt cx="4467240" cy="3563280"/>
+            <a:chExt cx="4466880" cy="3562920"/>
           </a:xfrm>
         </p:grpSpPr>
         <p:pic>
@@ -18660,7 +18660,7 @@
           <p:spPr>
             <a:xfrm>
               <a:off x="4571640" y="828000"/>
-              <a:ext cx="4467240" cy="3563280"/>
+              <a:ext cx="4466880" cy="3562920"/>
             </a:xfrm>
             <a:prstGeom prst="rect">
               <a:avLst/>
@@ -18678,8 +18678,8 @@
           </p:nvSpPr>
           <p:spPr>
             <a:xfrm rot="16200000">
-              <a:off x="5962680" y="1159920"/>
-              <a:ext cx="1736280" cy="2770200"/>
+              <a:off x="5962680" y="1160280"/>
+              <a:ext cx="1735920" cy="2769840"/>
             </a:xfrm>
             <a:prstGeom prst="roundRect">
               <a:avLst>
@@ -18746,7 +18746,7 @@
         <p:spPr>
           <a:xfrm>
             <a:off x="586440" y="1246680"/>
-            <a:ext cx="4003200" cy="3598920"/>
+            <a:ext cx="4002840" cy="3598560"/>
           </a:xfrm>
           <a:prstGeom prst="rect">
             <a:avLst/>
@@ -18798,7 +18798,7 @@
         <p:spPr>
           <a:xfrm>
             <a:off x="5446080" y="1672200"/>
-            <a:ext cx="2779200" cy="1736280"/>
+            <a:ext cx="2778840" cy="1735920"/>
           </a:xfrm>
           <a:prstGeom prst="rect">
             <a:avLst/>
@@ -18850,7 +18850,7 @@
         <p:spPr>
           <a:xfrm>
             <a:off x="586440" y="453960"/>
-            <a:ext cx="3695760" cy="854280"/>
+            <a:ext cx="3695400" cy="853920"/>
           </a:xfrm>
           <a:prstGeom prst="rect">
             <a:avLst/>
@@ -18939,7 +18939,7 @@
         <p:spPr>
           <a:xfrm>
             <a:off x="4222080" y="1246680"/>
-            <a:ext cx="4114080" cy="3598920"/>
+            <a:ext cx="4113720" cy="3598560"/>
           </a:xfrm>
           <a:prstGeom prst="rect">
             <a:avLst/>
@@ -18990,8 +18990,8 @@
         </p:nvSpPr>
         <p:spPr>
           <a:xfrm rot="16200000">
-            <a:off x="-2181600" y="1734480"/>
-            <a:ext cx="5142960" cy="1683000"/>
+            <a:off x="-2181600" y="1734840"/>
+            <a:ext cx="5142600" cy="1682640"/>
           </a:xfrm>
           <a:prstGeom prst="roundRect">
             <a:avLst>
@@ -19028,8 +19028,8 @@
         </p:nvSpPr>
         <p:spPr>
           <a:xfrm rot="2745000">
-            <a:off x="8575200" y="102960"/>
-            <a:ext cx="1131480" cy="1131120"/>
+            <a:off x="8575200" y="102600"/>
+            <a:ext cx="1131120" cy="1130760"/>
           </a:xfrm>
           <a:prstGeom prst="roundRect">
             <a:avLst>
@@ -19066,8 +19066,8 @@
         </p:nvSpPr>
         <p:spPr>
           <a:xfrm rot="16200000">
-            <a:off x="614880" y="919800"/>
-            <a:ext cx="3231000" cy="3312720"/>
+            <a:off x="614880" y="920160"/>
+            <a:ext cx="3230640" cy="3312360"/>
           </a:xfrm>
           <a:prstGeom prst="roundRect">
             <a:avLst>
@@ -19133,7 +19133,7 @@
         <p:spPr>
           <a:xfrm>
             <a:off x="4214160" y="456120"/>
-            <a:ext cx="4110840" cy="854280"/>
+            <a:ext cx="4110480" cy="853920"/>
           </a:xfrm>
           <a:prstGeom prst="rect">
             <a:avLst/>
@@ -19221,8 +19221,8 @@
         </p:nvSpPr>
         <p:spPr>
           <a:xfrm rot="2744400">
-            <a:off x="-279720" y="-25560"/>
-            <a:ext cx="703440" cy="703080"/>
+            <a:off x="-279360" y="-25560"/>
+            <a:ext cx="703080" cy="702720"/>
           </a:xfrm>
           <a:prstGeom prst="roundRect">
             <a:avLst>
@@ -19259,8 +19259,8 @@
         </p:nvSpPr>
         <p:spPr>
           <a:xfrm rot="2332200">
-            <a:off x="6009120" y="-319680"/>
-            <a:ext cx="4854600" cy="7725600"/>
+            <a:off x="6009120" y="-319320"/>
+            <a:ext cx="4854240" cy="7725240"/>
           </a:xfrm>
           <a:prstGeom prst="roundRect">
             <a:avLst>
@@ -19298,9 +19298,9 @@
         <p:grpSpPr>
           <a:xfrm>
             <a:off x="4571640" y="828000"/>
-            <a:ext cx="4467240" cy="3563280"/>
+            <a:ext cx="4466880" cy="3562920"/>
             <a:chOff x="4571640" y="828000"/>
-            <a:chExt cx="4467240" cy="3563280"/>
+            <a:chExt cx="4466880" cy="3562920"/>
           </a:xfrm>
         </p:grpSpPr>
         <p:pic>
@@ -19316,7 +19316,7 @@
           <p:spPr>
             <a:xfrm>
               <a:off x="4571640" y="828000"/>
-              <a:ext cx="4467240" cy="3563280"/>
+              <a:ext cx="4466880" cy="3562920"/>
             </a:xfrm>
             <a:prstGeom prst="rect">
               <a:avLst/>
@@ -19334,8 +19334,8 @@
           </p:nvSpPr>
           <p:spPr>
             <a:xfrm rot="16200000">
-              <a:off x="5962680" y="1159920"/>
-              <a:ext cx="1736280" cy="2770200"/>
+              <a:off x="5962680" y="1160280"/>
+              <a:ext cx="1735920" cy="2769840"/>
             </a:xfrm>
             <a:prstGeom prst="roundRect">
               <a:avLst>
@@ -19402,7 +19402,7 @@
         <p:spPr>
           <a:xfrm>
             <a:off x="5446080" y="1672200"/>
-            <a:ext cx="2769840" cy="1736280"/>
+            <a:ext cx="2769480" cy="1735920"/>
           </a:xfrm>
           <a:prstGeom prst="rect">
             <a:avLst/>
@@ -19454,7 +19454,7 @@
         <p:spPr>
           <a:xfrm>
             <a:off x="586440" y="1246680"/>
-            <a:ext cx="4003200" cy="3598920"/>
+            <a:ext cx="4002840" cy="3598560"/>
           </a:xfrm>
           <a:prstGeom prst="rect">
             <a:avLst/>
@@ -19506,7 +19506,7 @@
         <p:spPr>
           <a:xfrm>
             <a:off x="586440" y="453960"/>
-            <a:ext cx="4763160" cy="854280"/>
+            <a:ext cx="4762800" cy="853920"/>
           </a:xfrm>
           <a:prstGeom prst="rect">
             <a:avLst/>
@@ -19594,8 +19594,8 @@
         </p:nvSpPr>
         <p:spPr>
           <a:xfrm rot="2745600">
-            <a:off x="8349840" y="-667800"/>
-            <a:ext cx="1497240" cy="1497240"/>
+            <a:off x="8350200" y="-667800"/>
+            <a:ext cx="1496880" cy="1496880"/>
           </a:xfrm>
           <a:prstGeom prst="roundRect">
             <a:avLst>
@@ -19632,8 +19632,8 @@
         </p:nvSpPr>
         <p:spPr>
           <a:xfrm rot="2745600">
-            <a:off x="7634160" y="-322200"/>
-            <a:ext cx="806040" cy="806400"/>
+            <a:off x="7634160" y="-321840"/>
+            <a:ext cx="805680" cy="806040"/>
           </a:xfrm>
           <a:prstGeom prst="roundRect">
             <a:avLst>
@@ -19672,7 +19672,7 @@
         <p:spPr>
           <a:xfrm>
             <a:off x="586440" y="899640"/>
-            <a:ext cx="7930800" cy="1536120"/>
+            <a:ext cx="7930440" cy="1535760"/>
           </a:xfrm>
           <a:prstGeom prst="rect">
             <a:avLst/>
@@ -19724,7 +19724,7 @@
         <p:spPr>
           <a:xfrm>
             <a:off x="608040" y="2545560"/>
-            <a:ext cx="3711240" cy="2254680"/>
+            <a:ext cx="3710880" cy="2254320"/>
           </a:xfrm>
           <a:prstGeom prst="rect">
             <a:avLst/>
@@ -19776,7 +19776,7 @@
         <p:spPr>
           <a:xfrm>
             <a:off x="4806360" y="2545560"/>
-            <a:ext cx="3711240" cy="2254680"/>
+            <a:ext cx="3710880" cy="2254320"/>
           </a:xfrm>
           <a:prstGeom prst="rect">
             <a:avLst/>
@@ -19828,7 +19828,7 @@
         <p:spPr>
           <a:xfrm>
             <a:off x="583200" y="450720"/>
-            <a:ext cx="7197120" cy="511200"/>
+            <a:ext cx="7196760" cy="510840"/>
           </a:xfrm>
           <a:prstGeom prst="rect">
             <a:avLst/>
@@ -19910,7 +19910,7 @@
         <p:spPr>
           <a:xfrm>
             <a:off x="586440" y="1246680"/>
-            <a:ext cx="4003200" cy="3598920"/>
+            <a:ext cx="4002840" cy="3598560"/>
           </a:xfrm>
           <a:prstGeom prst="rect">
             <a:avLst/>
@@ -19962,7 +19962,7 @@
         <p:spPr>
           <a:xfrm>
             <a:off x="559800" y="446040"/>
-            <a:ext cx="4282560" cy="682560"/>
+            <a:ext cx="4282200" cy="682200"/>
           </a:xfrm>
           <a:prstGeom prst="rect">
             <a:avLst/>
@@ -20014,7 +20014,7 @@
         <p:spPr>
           <a:xfrm>
             <a:off x="5097600" y="360"/>
-            <a:ext cx="4378680" cy="5142960"/>
+            <a:ext cx="4378320" cy="5142600"/>
           </a:xfrm>
           <a:prstGeom prst="roundRect">
             <a:avLst>
@@ -20079,8 +20079,8 @@
         </p:nvSpPr>
         <p:spPr>
           <a:xfrm rot="2744400">
-            <a:off x="-279720" y="-25560"/>
-            <a:ext cx="703440" cy="703080"/>
+            <a:off x="-279360" y="-25560"/>
+            <a:ext cx="703080" cy="702720"/>
           </a:xfrm>
           <a:prstGeom prst="roundRect">
             <a:avLst>
@@ -20117,8 +20117,8 @@
         </p:nvSpPr>
         <p:spPr>
           <a:xfrm rot="2625600">
-            <a:off x="4861080" y="4146120"/>
-            <a:ext cx="467280" cy="467280"/>
+            <a:off x="4861080" y="4145760"/>
+            <a:ext cx="466920" cy="466920"/>
           </a:xfrm>
           <a:prstGeom prst="roundRect">
             <a:avLst>
@@ -20192,8 +20192,8 @@
         </p:nvSpPr>
         <p:spPr>
           <a:xfrm rot="2744400">
-            <a:off x="-348840" y="4539240"/>
-            <a:ext cx="703440" cy="703080"/>
+            <a:off x="-348480" y="4538880"/>
+            <a:ext cx="703080" cy="702720"/>
           </a:xfrm>
           <a:prstGeom prst="roundRect">
             <a:avLst>
@@ -20230,8 +20230,8 @@
         </p:nvSpPr>
         <p:spPr>
           <a:xfrm rot="19228200">
-            <a:off x="5845680" y="-2265480"/>
-            <a:ext cx="4854240" cy="7725240"/>
+            <a:off x="5845320" y="-2265120"/>
+            <a:ext cx="4853880" cy="7724880"/>
           </a:xfrm>
           <a:prstGeom prst="roundRect">
             <a:avLst>
@@ -20269,9 +20269,9 @@
         <p:grpSpPr>
           <a:xfrm>
             <a:off x="4571640" y="828000"/>
-            <a:ext cx="4467240" cy="3563280"/>
+            <a:ext cx="4466880" cy="3562920"/>
             <a:chOff x="4571640" y="828000"/>
-            <a:chExt cx="4467240" cy="3563280"/>
+            <a:chExt cx="4466880" cy="3562920"/>
           </a:xfrm>
         </p:grpSpPr>
         <p:pic>
@@ -20287,7 +20287,7 @@
           <p:spPr>
             <a:xfrm>
               <a:off x="4571640" y="828000"/>
-              <a:ext cx="4467240" cy="3563280"/>
+              <a:ext cx="4466880" cy="3562920"/>
             </a:xfrm>
             <a:prstGeom prst="rect">
               <a:avLst/>
@@ -20305,8 +20305,8 @@
           </p:nvSpPr>
           <p:spPr>
             <a:xfrm rot="16200000">
-              <a:off x="5962680" y="1159920"/>
-              <a:ext cx="1736280" cy="2770200"/>
+              <a:off x="5962680" y="1160280"/>
+              <a:ext cx="1735920" cy="2769840"/>
             </a:xfrm>
             <a:prstGeom prst="roundRect">
               <a:avLst>
@@ -20373,7 +20373,7 @@
         <p:spPr>
           <a:xfrm>
             <a:off x="586440" y="1246680"/>
-            <a:ext cx="4003200" cy="3598920"/>
+            <a:ext cx="4002840" cy="3598560"/>
           </a:xfrm>
           <a:prstGeom prst="rect">
             <a:avLst/>
@@ -20425,7 +20425,7 @@
         <p:spPr>
           <a:xfrm>
             <a:off x="5446080" y="1672200"/>
-            <a:ext cx="2779200" cy="1736280"/>
+            <a:ext cx="2778840" cy="1735920"/>
           </a:xfrm>
           <a:prstGeom prst="rect">
             <a:avLst/>
@@ -20477,7 +20477,7 @@
         <p:spPr>
           <a:xfrm>
             <a:off x="586440" y="453960"/>
-            <a:ext cx="3695760" cy="854280"/>
+            <a:ext cx="3695400" cy="853920"/>
           </a:xfrm>
           <a:prstGeom prst="rect">
             <a:avLst/>
@@ -20566,7 +20566,7 @@
         <p:spPr>
           <a:xfrm>
             <a:off x="4222080" y="1246680"/>
-            <a:ext cx="4114080" cy="3598920"/>
+            <a:ext cx="4113720" cy="3598560"/>
           </a:xfrm>
           <a:prstGeom prst="rect">
             <a:avLst/>
@@ -20617,8 +20617,8 @@
         </p:nvSpPr>
         <p:spPr>
           <a:xfrm rot="16200000">
-            <a:off x="-2181600" y="1734480"/>
-            <a:ext cx="5142960" cy="1683000"/>
+            <a:off x="-2181600" y="1734840"/>
+            <a:ext cx="5142600" cy="1682640"/>
           </a:xfrm>
           <a:prstGeom prst="roundRect">
             <a:avLst>
@@ -20655,8 +20655,8 @@
         </p:nvSpPr>
         <p:spPr>
           <a:xfrm rot="2745000">
-            <a:off x="8575200" y="102960"/>
-            <a:ext cx="1131480" cy="1131120"/>
+            <a:off x="8575200" y="102600"/>
+            <a:ext cx="1131120" cy="1130760"/>
           </a:xfrm>
           <a:prstGeom prst="roundRect">
             <a:avLst>
@@ -20693,8 +20693,8 @@
         </p:nvSpPr>
         <p:spPr>
           <a:xfrm rot="16200000">
-            <a:off x="614880" y="919800"/>
-            <a:ext cx="3231000" cy="3312720"/>
+            <a:off x="614880" y="920160"/>
+            <a:ext cx="3230640" cy="3312360"/>
           </a:xfrm>
           <a:prstGeom prst="roundRect">
             <a:avLst>
@@ -20760,7 +20760,7 @@
         <p:spPr>
           <a:xfrm>
             <a:off x="4214160" y="456120"/>
-            <a:ext cx="4110840" cy="854280"/>
+            <a:ext cx="4110480" cy="853920"/>
           </a:xfrm>
           <a:prstGeom prst="rect">
             <a:avLst/>
@@ -20849,7 +20849,7 @@
         <p:spPr>
           <a:xfrm>
             <a:off x="4222080" y="1246680"/>
-            <a:ext cx="4114080" cy="3598920"/>
+            <a:ext cx="4113720" cy="3598560"/>
           </a:xfrm>
           <a:prstGeom prst="rect">
             <a:avLst/>
@@ -20900,8 +20900,8 @@
         </p:nvSpPr>
         <p:spPr>
           <a:xfrm rot="16200000">
-            <a:off x="-2181600" y="1734480"/>
-            <a:ext cx="5142960" cy="1683000"/>
+            <a:off x="-2181600" y="1734840"/>
+            <a:ext cx="5142600" cy="1682640"/>
           </a:xfrm>
           <a:prstGeom prst="roundRect">
             <a:avLst>
@@ -20938,8 +20938,8 @@
         </p:nvSpPr>
         <p:spPr>
           <a:xfrm rot="2745000">
-            <a:off x="8575200" y="102960"/>
-            <a:ext cx="1131480" cy="1131120"/>
+            <a:off x="8575200" y="102600"/>
+            <a:ext cx="1131120" cy="1130760"/>
           </a:xfrm>
           <a:prstGeom prst="roundRect">
             <a:avLst>
@@ -20976,8 +20976,8 @@
         </p:nvSpPr>
         <p:spPr>
           <a:xfrm rot="16200000">
-            <a:off x="614880" y="919800"/>
-            <a:ext cx="3231000" cy="3312720"/>
+            <a:off x="614880" y="920160"/>
+            <a:ext cx="3230640" cy="3312360"/>
           </a:xfrm>
           <a:prstGeom prst="roundRect">
             <a:avLst>
@@ -21043,7 +21043,7 @@
         <p:spPr>
           <a:xfrm>
             <a:off x="4214160" y="456120"/>
-            <a:ext cx="4110840" cy="854280"/>
+            <a:ext cx="4110480" cy="853920"/>
           </a:xfrm>
           <a:prstGeom prst="rect">
             <a:avLst/>
@@ -21131,8 +21131,8 @@
         </p:nvSpPr>
         <p:spPr>
           <a:xfrm rot="2744400">
-            <a:off x="-279720" y="-25560"/>
-            <a:ext cx="703440" cy="703080"/>
+            <a:off x="-279360" y="-25560"/>
+            <a:ext cx="703080" cy="702720"/>
           </a:xfrm>
           <a:prstGeom prst="roundRect">
             <a:avLst>
@@ -21169,8 +21169,8 @@
         </p:nvSpPr>
         <p:spPr>
           <a:xfrm rot="2332200">
-            <a:off x="6009120" y="-319680"/>
-            <a:ext cx="4854600" cy="7725600"/>
+            <a:off x="6009120" y="-319320"/>
+            <a:ext cx="4854240" cy="7725240"/>
           </a:xfrm>
           <a:prstGeom prst="roundRect">
             <a:avLst>
@@ -21208,9 +21208,9 @@
         <p:grpSpPr>
           <a:xfrm>
             <a:off x="4571640" y="828000"/>
-            <a:ext cx="4467240" cy="3563280"/>
+            <a:ext cx="4466880" cy="3562920"/>
             <a:chOff x="4571640" y="828000"/>
-            <a:chExt cx="4467240" cy="3563280"/>
+            <a:chExt cx="4466880" cy="3562920"/>
           </a:xfrm>
         </p:grpSpPr>
         <p:pic>
@@ -21226,7 +21226,7 @@
           <p:spPr>
             <a:xfrm>
               <a:off x="4571640" y="828000"/>
-              <a:ext cx="4467240" cy="3563280"/>
+              <a:ext cx="4466880" cy="3562920"/>
             </a:xfrm>
             <a:prstGeom prst="rect">
               <a:avLst/>
@@ -21244,8 +21244,8 @@
           </p:nvSpPr>
           <p:spPr>
             <a:xfrm rot="16200000">
-              <a:off x="5962680" y="1159920"/>
-              <a:ext cx="1736280" cy="2770200"/>
+              <a:off x="5962680" y="1160280"/>
+              <a:ext cx="1735920" cy="2769840"/>
             </a:xfrm>
             <a:prstGeom prst="roundRect">
               <a:avLst>
@@ -21312,7 +21312,7 @@
         <p:spPr>
           <a:xfrm>
             <a:off x="5446080" y="1672200"/>
-            <a:ext cx="2769840" cy="1736280"/>
+            <a:ext cx="2769480" cy="1735920"/>
           </a:xfrm>
           <a:prstGeom prst="rect">
             <a:avLst/>
@@ -21364,7 +21364,7 @@
         <p:spPr>
           <a:xfrm>
             <a:off x="586440" y="1246680"/>
-            <a:ext cx="4003200" cy="3598920"/>
+            <a:ext cx="4002840" cy="3598560"/>
           </a:xfrm>
           <a:prstGeom prst="rect">
             <a:avLst/>
@@ -21416,7 +21416,7 @@
         <p:spPr>
           <a:xfrm>
             <a:off x="586440" y="453960"/>
-            <a:ext cx="4763160" cy="854280"/>
+            <a:ext cx="4762800" cy="853920"/>
           </a:xfrm>
           <a:prstGeom prst="rect">
             <a:avLst/>
@@ -21504,8 +21504,8 @@
         </p:nvSpPr>
         <p:spPr>
           <a:xfrm rot="2745600">
-            <a:off x="8349840" y="-667800"/>
-            <a:ext cx="1497240" cy="1497240"/>
+            <a:off x="8350200" y="-667800"/>
+            <a:ext cx="1496880" cy="1496880"/>
           </a:xfrm>
           <a:prstGeom prst="roundRect">
             <a:avLst>
@@ -21542,8 +21542,8 @@
         </p:nvSpPr>
         <p:spPr>
           <a:xfrm rot="2745600">
-            <a:off x="7634160" y="-322200"/>
-            <a:ext cx="806040" cy="806400"/>
+            <a:off x="7634160" y="-321840"/>
+            <a:ext cx="805680" cy="806040"/>
           </a:xfrm>
           <a:prstGeom prst="roundRect">
             <a:avLst>
@@ -21582,7 +21582,7 @@
         <p:spPr>
           <a:xfrm>
             <a:off x="586440" y="899640"/>
-            <a:ext cx="7930800" cy="1536120"/>
+            <a:ext cx="7930440" cy="1535760"/>
           </a:xfrm>
           <a:prstGeom prst="rect">
             <a:avLst/>
@@ -21634,7 +21634,7 @@
         <p:spPr>
           <a:xfrm>
             <a:off x="608040" y="2545560"/>
-            <a:ext cx="3711240" cy="2254680"/>
+            <a:ext cx="3710880" cy="2254320"/>
           </a:xfrm>
           <a:prstGeom prst="rect">
             <a:avLst/>
@@ -21686,7 +21686,7 @@
         <p:spPr>
           <a:xfrm>
             <a:off x="4806360" y="2545560"/>
-            <a:ext cx="3711240" cy="2254680"/>
+            <a:ext cx="3710880" cy="2254320"/>
           </a:xfrm>
           <a:prstGeom prst="rect">
             <a:avLst/>
@@ -21738,7 +21738,7 @@
         <p:spPr>
           <a:xfrm>
             <a:off x="583200" y="450720"/>
-            <a:ext cx="7197120" cy="511200"/>
+            <a:ext cx="7196760" cy="510840"/>
           </a:xfrm>
           <a:prstGeom prst="rect">
             <a:avLst/>
@@ -21820,7 +21820,7 @@
         <p:spPr>
           <a:xfrm>
             <a:off x="586440" y="1246680"/>
-            <a:ext cx="4003200" cy="3598920"/>
+            <a:ext cx="4002840" cy="3598560"/>
           </a:xfrm>
           <a:prstGeom prst="rect">
             <a:avLst/>
@@ -21872,7 +21872,7 @@
         <p:spPr>
           <a:xfrm>
             <a:off x="559800" y="446040"/>
-            <a:ext cx="4282560" cy="682560"/>
+            <a:ext cx="4282200" cy="682200"/>
           </a:xfrm>
           <a:prstGeom prst="rect">
             <a:avLst/>
@@ -21924,7 +21924,7 @@
         <p:spPr>
           <a:xfrm>
             <a:off x="5097600" y="360"/>
-            <a:ext cx="4378680" cy="5142960"/>
+            <a:ext cx="4378320" cy="5142600"/>
           </a:xfrm>
           <a:prstGeom prst="roundRect">
             <a:avLst>
@@ -21989,8 +21989,8 @@
         </p:nvSpPr>
         <p:spPr>
           <a:xfrm rot="2744400">
-            <a:off x="-279720" y="-25560"/>
-            <a:ext cx="703440" cy="703080"/>
+            <a:off x="-279360" y="-25560"/>
+            <a:ext cx="703080" cy="702720"/>
           </a:xfrm>
           <a:prstGeom prst="roundRect">
             <a:avLst>
@@ -22027,8 +22027,8 @@
         </p:nvSpPr>
         <p:spPr>
           <a:xfrm rot="2625600">
-            <a:off x="4861080" y="4146120"/>
-            <a:ext cx="467280" cy="467280"/>
+            <a:off x="4861080" y="4145760"/>
+            <a:ext cx="466920" cy="466920"/>
           </a:xfrm>
           <a:prstGeom prst="roundRect">
             <a:avLst>
@@ -22102,8 +22102,8 @@
         </p:nvSpPr>
         <p:spPr>
           <a:xfrm rot="2744400">
-            <a:off x="-348840" y="4539240"/>
-            <a:ext cx="703440" cy="703080"/>
+            <a:off x="-348480" y="4538880"/>
+            <a:ext cx="703080" cy="702720"/>
           </a:xfrm>
           <a:prstGeom prst="roundRect">
             <a:avLst>
@@ -22140,8 +22140,8 @@
         </p:nvSpPr>
         <p:spPr>
           <a:xfrm rot="19228200">
-            <a:off x="5845680" y="-2265480"/>
-            <a:ext cx="4854240" cy="7725240"/>
+            <a:off x="5845320" y="-2265120"/>
+            <a:ext cx="4853880" cy="7724880"/>
           </a:xfrm>
           <a:prstGeom prst="roundRect">
             <a:avLst>
@@ -22179,9 +22179,9 @@
         <p:grpSpPr>
           <a:xfrm>
             <a:off x="4571640" y="828000"/>
-            <a:ext cx="4467240" cy="3563280"/>
+            <a:ext cx="4466880" cy="3562920"/>
             <a:chOff x="4571640" y="828000"/>
-            <a:chExt cx="4467240" cy="3563280"/>
+            <a:chExt cx="4466880" cy="3562920"/>
           </a:xfrm>
         </p:grpSpPr>
         <p:pic>
@@ -22197,7 +22197,7 @@
           <p:spPr>
             <a:xfrm>
               <a:off x="4571640" y="828000"/>
-              <a:ext cx="4467240" cy="3563280"/>
+              <a:ext cx="4466880" cy="3562920"/>
             </a:xfrm>
             <a:prstGeom prst="rect">
               <a:avLst/>
@@ -22215,8 +22215,8 @@
           </p:nvSpPr>
           <p:spPr>
             <a:xfrm rot="16200000">
-              <a:off x="5962680" y="1159920"/>
-              <a:ext cx="1736280" cy="2770200"/>
+              <a:off x="5962680" y="1160280"/>
+              <a:ext cx="1735920" cy="2769840"/>
             </a:xfrm>
             <a:prstGeom prst="roundRect">
               <a:avLst>
@@ -22283,7 +22283,7 @@
         <p:spPr>
           <a:xfrm>
             <a:off x="586440" y="1246680"/>
-            <a:ext cx="4003200" cy="3598920"/>
+            <a:ext cx="4002840" cy="3598560"/>
           </a:xfrm>
           <a:prstGeom prst="rect">
             <a:avLst/>
@@ -22335,7 +22335,7 @@
         <p:spPr>
           <a:xfrm>
             <a:off x="5446080" y="1672200"/>
-            <a:ext cx="2779200" cy="1736280"/>
+            <a:ext cx="2778840" cy="1735920"/>
           </a:xfrm>
           <a:prstGeom prst="rect">
             <a:avLst/>
@@ -22387,7 +22387,7 @@
         <p:spPr>
           <a:xfrm>
             <a:off x="586440" y="453960"/>
-            <a:ext cx="3695760" cy="854280"/>
+            <a:ext cx="3695400" cy="853920"/>
           </a:xfrm>
           <a:prstGeom prst="rect">
             <a:avLst/>
@@ -22476,7 +22476,7 @@
         <p:spPr>
           <a:xfrm>
             <a:off x="4222080" y="1246680"/>
-            <a:ext cx="4114080" cy="3598920"/>
+            <a:ext cx="4113720" cy="3598560"/>
           </a:xfrm>
           <a:prstGeom prst="rect">
             <a:avLst/>
@@ -22527,8 +22527,8 @@
         </p:nvSpPr>
         <p:spPr>
           <a:xfrm rot="16200000">
-            <a:off x="-2181600" y="1734480"/>
-            <a:ext cx="5142960" cy="1683000"/>
+            <a:off x="-2181600" y="1734840"/>
+            <a:ext cx="5142600" cy="1682640"/>
           </a:xfrm>
           <a:prstGeom prst="roundRect">
             <a:avLst>
@@ -22565,8 +22565,8 @@
         </p:nvSpPr>
         <p:spPr>
           <a:xfrm rot="2745000">
-            <a:off x="8575200" y="102960"/>
-            <a:ext cx="1131480" cy="1131120"/>
+            <a:off x="8575200" y="102600"/>
+            <a:ext cx="1131120" cy="1130760"/>
           </a:xfrm>
           <a:prstGeom prst="roundRect">
             <a:avLst>
@@ -22603,8 +22603,8 @@
         </p:nvSpPr>
         <p:spPr>
           <a:xfrm rot="16200000">
-            <a:off x="614880" y="919800"/>
-            <a:ext cx="3231000" cy="3312720"/>
+            <a:off x="614880" y="920160"/>
+            <a:ext cx="3230640" cy="3312360"/>
           </a:xfrm>
           <a:prstGeom prst="roundRect">
             <a:avLst>
@@ -22670,7 +22670,7 @@
         <p:spPr>
           <a:xfrm>
             <a:off x="4214160" y="456120"/>
-            <a:ext cx="4110840" cy="854280"/>
+            <a:ext cx="4110480" cy="853920"/>
           </a:xfrm>
           <a:prstGeom prst="rect">
             <a:avLst/>
@@ -22758,8 +22758,8 @@
         </p:nvSpPr>
         <p:spPr>
           <a:xfrm rot="2744400">
-            <a:off x="-279720" y="-25560"/>
-            <a:ext cx="703440" cy="703080"/>
+            <a:off x="-279360" y="-25560"/>
+            <a:ext cx="703080" cy="702720"/>
           </a:xfrm>
           <a:prstGeom prst="roundRect">
             <a:avLst>
@@ -22796,8 +22796,8 @@
         </p:nvSpPr>
         <p:spPr>
           <a:xfrm rot="2332200">
-            <a:off x="6009120" y="-319680"/>
-            <a:ext cx="4854600" cy="7725600"/>
+            <a:off x="6009120" y="-319320"/>
+            <a:ext cx="4854240" cy="7725240"/>
           </a:xfrm>
           <a:prstGeom prst="roundRect">
             <a:avLst>
@@ -22835,9 +22835,9 @@
         <p:grpSpPr>
           <a:xfrm>
             <a:off x="4571640" y="828000"/>
-            <a:ext cx="4467240" cy="3563280"/>
+            <a:ext cx="4466880" cy="3562920"/>
             <a:chOff x="4571640" y="828000"/>
-            <a:chExt cx="4467240" cy="3563280"/>
+            <a:chExt cx="4466880" cy="3562920"/>
           </a:xfrm>
         </p:grpSpPr>
         <p:pic>
@@ -22853,7 +22853,7 @@
           <p:spPr>
             <a:xfrm>
               <a:off x="4571640" y="828000"/>
-              <a:ext cx="4467240" cy="3563280"/>
+              <a:ext cx="4466880" cy="3562920"/>
             </a:xfrm>
             <a:prstGeom prst="rect">
               <a:avLst/>
@@ -22871,8 +22871,8 @@
           </p:nvSpPr>
           <p:spPr>
             <a:xfrm rot="16200000">
-              <a:off x="5962680" y="1159920"/>
-              <a:ext cx="1736280" cy="2770200"/>
+              <a:off x="5962680" y="1160280"/>
+              <a:ext cx="1735920" cy="2769840"/>
             </a:xfrm>
             <a:prstGeom prst="roundRect">
               <a:avLst>
@@ -22939,7 +22939,7 @@
         <p:spPr>
           <a:xfrm>
             <a:off x="5446080" y="1672200"/>
-            <a:ext cx="2769840" cy="1736280"/>
+            <a:ext cx="2769480" cy="1735920"/>
           </a:xfrm>
           <a:prstGeom prst="rect">
             <a:avLst/>
@@ -22991,7 +22991,7 @@
         <p:spPr>
           <a:xfrm>
             <a:off x="586440" y="1246680"/>
-            <a:ext cx="4003200" cy="3598920"/>
+            <a:ext cx="4002840" cy="3598560"/>
           </a:xfrm>
           <a:prstGeom prst="rect">
             <a:avLst/>
@@ -23043,7 +23043,7 @@
         <p:spPr>
           <a:xfrm>
             <a:off x="586440" y="453960"/>
-            <a:ext cx="4763160" cy="854280"/>
+            <a:ext cx="4762800" cy="853920"/>
           </a:xfrm>
           <a:prstGeom prst="rect">
             <a:avLst/>
@@ -23131,8 +23131,8 @@
         </p:nvSpPr>
         <p:spPr>
           <a:xfrm rot="2745600">
-            <a:off x="8349840" y="-667800"/>
-            <a:ext cx="1497240" cy="1497240"/>
+            <a:off x="8350200" y="-667800"/>
+            <a:ext cx="1496880" cy="1496880"/>
           </a:xfrm>
           <a:prstGeom prst="roundRect">
             <a:avLst>
@@ -23169,8 +23169,8 @@
         </p:nvSpPr>
         <p:spPr>
           <a:xfrm rot="2745600">
-            <a:off x="7634160" y="-322200"/>
-            <a:ext cx="806040" cy="806400"/>
+            <a:off x="7634160" y="-321840"/>
+            <a:ext cx="805680" cy="806040"/>
           </a:xfrm>
           <a:prstGeom prst="roundRect">
             <a:avLst>
@@ -23209,7 +23209,7 @@
         <p:spPr>
           <a:xfrm>
             <a:off x="586440" y="899640"/>
-            <a:ext cx="7930800" cy="1536120"/>
+            <a:ext cx="7930440" cy="1535760"/>
           </a:xfrm>
           <a:prstGeom prst="rect">
             <a:avLst/>
@@ -23261,7 +23261,7 @@
         <p:spPr>
           <a:xfrm>
             <a:off x="608040" y="2545560"/>
-            <a:ext cx="3711240" cy="2254680"/>
+            <a:ext cx="3710880" cy="2254320"/>
           </a:xfrm>
           <a:prstGeom prst="rect">
             <a:avLst/>
@@ -23313,7 +23313,7 @@
         <p:spPr>
           <a:xfrm>
             <a:off x="4806360" y="2545560"/>
-            <a:ext cx="3711240" cy="2254680"/>
+            <a:ext cx="3710880" cy="2254320"/>
           </a:xfrm>
           <a:prstGeom prst="rect">
             <a:avLst/>
@@ -23365,7 +23365,7 @@
         <p:spPr>
           <a:xfrm>
             <a:off x="583200" y="450720"/>
-            <a:ext cx="7197120" cy="511200"/>
+            <a:ext cx="7196760" cy="510840"/>
           </a:xfrm>
           <a:prstGeom prst="rect">
             <a:avLst/>
@@ -23447,7 +23447,7 @@
         <p:spPr>
           <a:xfrm>
             <a:off x="586440" y="1246680"/>
-            <a:ext cx="4003200" cy="3598920"/>
+            <a:ext cx="4002840" cy="3598560"/>
           </a:xfrm>
           <a:prstGeom prst="rect">
             <a:avLst/>
@@ -23499,7 +23499,7 @@
         <p:spPr>
           <a:xfrm>
             <a:off x="559800" y="446040"/>
-            <a:ext cx="4282560" cy="682560"/>
+            <a:ext cx="4282200" cy="682200"/>
           </a:xfrm>
           <a:prstGeom prst="rect">
             <a:avLst/>
@@ -23551,7 +23551,7 @@
         <p:spPr>
           <a:xfrm>
             <a:off x="5097600" y="360"/>
-            <a:ext cx="4378680" cy="5142960"/>
+            <a:ext cx="4378320" cy="5142600"/>
           </a:xfrm>
           <a:prstGeom prst="roundRect">
             <a:avLst>
@@ -23616,8 +23616,8 @@
         </p:nvSpPr>
         <p:spPr>
           <a:xfrm rot="2744400">
-            <a:off x="-279720" y="-25560"/>
-            <a:ext cx="703440" cy="703080"/>
+            <a:off x="-279360" y="-25560"/>
+            <a:ext cx="703080" cy="702720"/>
           </a:xfrm>
           <a:prstGeom prst="roundRect">
             <a:avLst>
@@ -23654,8 +23654,8 @@
         </p:nvSpPr>
         <p:spPr>
           <a:xfrm rot="2625600">
-            <a:off x="4861080" y="4146120"/>
-            <a:ext cx="467280" cy="467280"/>
+            <a:off x="4861080" y="4145760"/>
+            <a:ext cx="466920" cy="466920"/>
           </a:xfrm>
           <a:prstGeom prst="roundRect">
             <a:avLst>
@@ -23729,8 +23729,8 @@
         </p:nvSpPr>
         <p:spPr>
           <a:xfrm rot="2744400">
-            <a:off x="-348840" y="4539240"/>
-            <a:ext cx="703440" cy="703080"/>
+            <a:off x="-348480" y="4538880"/>
+            <a:ext cx="703080" cy="702720"/>
           </a:xfrm>
           <a:prstGeom prst="roundRect">
             <a:avLst>
@@ -23767,8 +23767,8 @@
         </p:nvSpPr>
         <p:spPr>
           <a:xfrm rot="19228200">
-            <a:off x="5845680" y="-2265480"/>
-            <a:ext cx="4854240" cy="7725240"/>
+            <a:off x="5845320" y="-2265120"/>
+            <a:ext cx="4853880" cy="7724880"/>
           </a:xfrm>
           <a:prstGeom prst="roundRect">
             <a:avLst>
@@ -23806,9 +23806,9 @@
         <p:grpSpPr>
           <a:xfrm>
             <a:off x="4571640" y="828000"/>
-            <a:ext cx="4467240" cy="3563280"/>
+            <a:ext cx="4466880" cy="3562920"/>
             <a:chOff x="4571640" y="828000"/>
-            <a:chExt cx="4467240" cy="3563280"/>
+            <a:chExt cx="4466880" cy="3562920"/>
           </a:xfrm>
         </p:grpSpPr>
         <p:pic>
@@ -23824,7 +23824,7 @@
           <p:spPr>
             <a:xfrm>
               <a:off x="4571640" y="828000"/>
-              <a:ext cx="4467240" cy="3563280"/>
+              <a:ext cx="4466880" cy="3562920"/>
             </a:xfrm>
             <a:prstGeom prst="rect">
               <a:avLst/>
@@ -23842,8 +23842,8 @@
           </p:nvSpPr>
           <p:spPr>
             <a:xfrm rot="16200000">
-              <a:off x="5962680" y="1159920"/>
-              <a:ext cx="1736280" cy="2770200"/>
+              <a:off x="5962680" y="1160280"/>
+              <a:ext cx="1735920" cy="2769840"/>
             </a:xfrm>
             <a:prstGeom prst="roundRect">
               <a:avLst>
@@ -23910,7 +23910,7 @@
         <p:spPr>
           <a:xfrm>
             <a:off x="586440" y="1246680"/>
-            <a:ext cx="4003200" cy="3598920"/>
+            <a:ext cx="4002840" cy="3598560"/>
           </a:xfrm>
           <a:prstGeom prst="rect">
             <a:avLst/>
@@ -23962,7 +23962,7 @@
         <p:spPr>
           <a:xfrm>
             <a:off x="5446080" y="1672200"/>
-            <a:ext cx="2779200" cy="1736280"/>
+            <a:ext cx="2778840" cy="1735920"/>
           </a:xfrm>
           <a:prstGeom prst="rect">
             <a:avLst/>
@@ -24014,7 +24014,7 @@
         <p:spPr>
           <a:xfrm>
             <a:off x="586440" y="453960"/>
-            <a:ext cx="3695760" cy="854280"/>
+            <a:ext cx="3695400" cy="853920"/>
           </a:xfrm>
           <a:prstGeom prst="rect">
             <a:avLst/>
@@ -24102,8 +24102,8 @@
         </p:nvSpPr>
         <p:spPr>
           <a:xfrm rot="2744400">
-            <a:off x="-279720" y="-25560"/>
-            <a:ext cx="703440" cy="703080"/>
+            <a:off x="-279360" y="-25560"/>
+            <a:ext cx="703080" cy="702720"/>
           </a:xfrm>
           <a:prstGeom prst="roundRect">
             <a:avLst>
@@ -24141,7 +24141,7 @@
         <p:spPr>
           <a:xfrm>
             <a:off x="569160" y="1888920"/>
-            <a:ext cx="4820040" cy="820800"/>
+            <a:ext cx="4819680" cy="820800"/>
           </a:xfrm>
           <a:prstGeom prst="rect">
             <a:avLst/>
@@ -24192,8 +24192,8 @@
         </p:nvSpPr>
         <p:spPr>
           <a:xfrm rot="18679800">
-            <a:off x="6781680" y="457920"/>
-            <a:ext cx="6249600" cy="4665240"/>
+            <a:off x="6781320" y="457920"/>
+            <a:ext cx="6249240" cy="4664880"/>
           </a:xfrm>
           <a:prstGeom prst="roundRect">
             <a:avLst>
@@ -24230,8 +24230,8 @@
         </p:nvSpPr>
         <p:spPr>
           <a:xfrm rot="2625600">
-            <a:off x="6024960" y="4332240"/>
-            <a:ext cx="467280" cy="467280"/>
+            <a:off x="6024960" y="4331880"/>
+            <a:ext cx="466920" cy="466920"/>
           </a:xfrm>
           <a:prstGeom prst="roundRect">
             <a:avLst>
@@ -24269,7 +24269,7 @@
         <p:spPr>
           <a:xfrm>
             <a:off x="1640880" y="4592880"/>
-            <a:ext cx="2994480" cy="265320"/>
+            <a:ext cx="2994120" cy="264960"/>
           </a:xfrm>
           <a:prstGeom prst="rect">
             <a:avLst/>
@@ -24331,7 +24331,7 @@
         <p:spPr>
           <a:xfrm>
             <a:off x="867240" y="3590280"/>
-            <a:ext cx="252360" cy="252720"/>
+            <a:ext cx="252000" cy="252360"/>
           </a:xfrm>
           <a:prstGeom prst="ellipse">
             <a:avLst/>
@@ -24366,7 +24366,7 @@
         <p:spPr>
           <a:xfrm>
             <a:off x="351000" y="3793320"/>
-            <a:ext cx="1284840" cy="1130400"/>
+            <a:ext cx="1284480" cy="1130040"/>
           </a:xfrm>
           <a:prstGeom prst="rect">
             <a:avLst/>
@@ -24421,8 +24421,8 @@
         </p:nvSpPr>
         <p:spPr>
           <a:xfrm rot="2744400">
-            <a:off x="-279720" y="-25560"/>
-            <a:ext cx="703440" cy="703080"/>
+            <a:off x="-279360" y="-25560"/>
+            <a:ext cx="703080" cy="702720"/>
           </a:xfrm>
           <a:prstGeom prst="roundRect">
             <a:avLst>
@@ -24459,8 +24459,8 @@
         </p:nvSpPr>
         <p:spPr>
           <a:xfrm rot="2332200">
-            <a:off x="6009120" y="-319680"/>
-            <a:ext cx="4854600" cy="7725600"/>
+            <a:off x="6009120" y="-319320"/>
+            <a:ext cx="4854240" cy="7725240"/>
           </a:xfrm>
           <a:prstGeom prst="roundRect">
             <a:avLst>
@@ -24498,9 +24498,9 @@
         <p:grpSpPr>
           <a:xfrm>
             <a:off x="4571640" y="828000"/>
-            <a:ext cx="4467240" cy="3563280"/>
+            <a:ext cx="4466880" cy="3562920"/>
             <a:chOff x="4571640" y="828000"/>
-            <a:chExt cx="4467240" cy="3563280"/>
+            <a:chExt cx="4466880" cy="3562920"/>
           </a:xfrm>
         </p:grpSpPr>
         <p:pic>
@@ -24516,7 +24516,7 @@
           <p:spPr>
             <a:xfrm>
               <a:off x="4571640" y="828000"/>
-              <a:ext cx="4467240" cy="3563280"/>
+              <a:ext cx="4466880" cy="3562920"/>
             </a:xfrm>
             <a:prstGeom prst="rect">
               <a:avLst/>
@@ -24534,8 +24534,8 @@
           </p:nvSpPr>
           <p:spPr>
             <a:xfrm rot="16200000">
-              <a:off x="5962680" y="1159920"/>
-              <a:ext cx="1736280" cy="2770200"/>
+              <a:off x="5962680" y="1160280"/>
+              <a:ext cx="1735920" cy="2769840"/>
             </a:xfrm>
             <a:prstGeom prst="roundRect">
               <a:avLst>
@@ -24602,7 +24602,7 @@
         <p:spPr>
           <a:xfrm>
             <a:off x="5446080" y="1672200"/>
-            <a:ext cx="2769840" cy="1736280"/>
+            <a:ext cx="2769480" cy="1735920"/>
           </a:xfrm>
           <a:prstGeom prst="rect">
             <a:avLst/>
@@ -24654,7 +24654,7 @@
         <p:spPr>
           <a:xfrm>
             <a:off x="586440" y="1246680"/>
-            <a:ext cx="4003200" cy="3598920"/>
+            <a:ext cx="4002840" cy="3598560"/>
           </a:xfrm>
           <a:prstGeom prst="rect">
             <a:avLst/>
@@ -24706,7 +24706,7 @@
         <p:spPr>
           <a:xfrm>
             <a:off x="586440" y="453960"/>
-            <a:ext cx="4763160" cy="854280"/>
+            <a:ext cx="4762800" cy="853920"/>
           </a:xfrm>
           <a:prstGeom prst="rect">
             <a:avLst/>
@@ -24794,8 +24794,8 @@
         </p:nvSpPr>
         <p:spPr>
           <a:xfrm rot="2745600">
-            <a:off x="8349840" y="-667800"/>
-            <a:ext cx="1497240" cy="1497240"/>
+            <a:off x="8350200" y="-667800"/>
+            <a:ext cx="1496880" cy="1496880"/>
           </a:xfrm>
           <a:prstGeom prst="roundRect">
             <a:avLst>
@@ -24832,8 +24832,8 @@
         </p:nvSpPr>
         <p:spPr>
           <a:xfrm rot="2745600">
-            <a:off x="7634160" y="-322200"/>
-            <a:ext cx="806040" cy="806400"/>
+            <a:off x="7634160" y="-321840"/>
+            <a:ext cx="805680" cy="806040"/>
           </a:xfrm>
           <a:prstGeom prst="roundRect">
             <a:avLst>
@@ -24872,7 +24872,7 @@
         <p:spPr>
           <a:xfrm>
             <a:off x="586440" y="899640"/>
-            <a:ext cx="7930800" cy="1536120"/>
+            <a:ext cx="7930440" cy="1535760"/>
           </a:xfrm>
           <a:prstGeom prst="rect">
             <a:avLst/>
@@ -24924,7 +24924,7 @@
         <p:spPr>
           <a:xfrm>
             <a:off x="608040" y="2545560"/>
-            <a:ext cx="3711240" cy="2254680"/>
+            <a:ext cx="3710880" cy="2254320"/>
           </a:xfrm>
           <a:prstGeom prst="rect">
             <a:avLst/>
@@ -24976,7 +24976,7 @@
         <p:spPr>
           <a:xfrm>
             <a:off x="4806360" y="2545560"/>
-            <a:ext cx="3711240" cy="2254680"/>
+            <a:ext cx="3710880" cy="2254320"/>
           </a:xfrm>
           <a:prstGeom prst="rect">
             <a:avLst/>
@@ -25028,7 +25028,7 @@
         <p:spPr>
           <a:xfrm>
             <a:off x="583200" y="450720"/>
-            <a:ext cx="7197120" cy="511200"/>
+            <a:ext cx="7196760" cy="510840"/>
           </a:xfrm>
           <a:prstGeom prst="rect">
             <a:avLst/>
@@ -25110,7 +25110,7 @@
         <p:spPr>
           <a:xfrm>
             <a:off x="586440" y="1246680"/>
-            <a:ext cx="4003200" cy="3598920"/>
+            <a:ext cx="4002840" cy="3598560"/>
           </a:xfrm>
           <a:prstGeom prst="rect">
             <a:avLst/>
@@ -25162,7 +25162,7 @@
         <p:spPr>
           <a:xfrm>
             <a:off x="559800" y="446040"/>
-            <a:ext cx="4282560" cy="682560"/>
+            <a:ext cx="4282200" cy="682200"/>
           </a:xfrm>
           <a:prstGeom prst="rect">
             <a:avLst/>
@@ -25214,7 +25214,7 @@
         <p:spPr>
           <a:xfrm>
             <a:off x="5097600" y="360"/>
-            <a:ext cx="4378680" cy="5142960"/>
+            <a:ext cx="4378320" cy="5142600"/>
           </a:xfrm>
           <a:prstGeom prst="roundRect">
             <a:avLst>
@@ -25279,8 +25279,8 @@
         </p:nvSpPr>
         <p:spPr>
           <a:xfrm rot="2744400">
-            <a:off x="-279720" y="-25560"/>
-            <a:ext cx="703440" cy="703080"/>
+            <a:off x="-279360" y="-25560"/>
+            <a:ext cx="703080" cy="702720"/>
           </a:xfrm>
           <a:prstGeom prst="roundRect">
             <a:avLst>
@@ -25317,8 +25317,8 @@
         </p:nvSpPr>
         <p:spPr>
           <a:xfrm rot="2625600">
-            <a:off x="4861080" y="4146120"/>
-            <a:ext cx="467280" cy="467280"/>
+            <a:off x="4861080" y="4145760"/>
+            <a:ext cx="466920" cy="466920"/>
           </a:xfrm>
           <a:prstGeom prst="roundRect">
             <a:avLst>
@@ -25392,8 +25392,8 @@
         </p:nvSpPr>
         <p:spPr>
           <a:xfrm rot="2744400">
-            <a:off x="-348840" y="4539240"/>
-            <a:ext cx="703440" cy="703080"/>
+            <a:off x="-348480" y="4538880"/>
+            <a:ext cx="703080" cy="702720"/>
           </a:xfrm>
           <a:prstGeom prst="roundRect">
             <a:avLst>
@@ -25430,8 +25430,8 @@
         </p:nvSpPr>
         <p:spPr>
           <a:xfrm rot="19228200">
-            <a:off x="5845680" y="-2265480"/>
-            <a:ext cx="4854240" cy="7725240"/>
+            <a:off x="5845320" y="-2265120"/>
+            <a:ext cx="4853880" cy="7724880"/>
           </a:xfrm>
           <a:prstGeom prst="roundRect">
             <a:avLst>
@@ -25469,9 +25469,9 @@
         <p:grpSpPr>
           <a:xfrm>
             <a:off x="4571640" y="828000"/>
-            <a:ext cx="4467240" cy="3563280"/>
+            <a:ext cx="4466880" cy="3562920"/>
             <a:chOff x="4571640" y="828000"/>
-            <a:chExt cx="4467240" cy="3563280"/>
+            <a:chExt cx="4466880" cy="3562920"/>
           </a:xfrm>
         </p:grpSpPr>
         <p:pic>
@@ -25487,7 +25487,7 @@
           <p:spPr>
             <a:xfrm>
               <a:off x="4571640" y="828000"/>
-              <a:ext cx="4467240" cy="3563280"/>
+              <a:ext cx="4466880" cy="3562920"/>
             </a:xfrm>
             <a:prstGeom prst="rect">
               <a:avLst/>
@@ -25505,8 +25505,8 @@
           </p:nvSpPr>
           <p:spPr>
             <a:xfrm rot="16200000">
-              <a:off x="5962680" y="1159920"/>
-              <a:ext cx="1736280" cy="2770200"/>
+              <a:off x="5962680" y="1160280"/>
+              <a:ext cx="1735920" cy="2769840"/>
             </a:xfrm>
             <a:prstGeom prst="roundRect">
               <a:avLst>
@@ -25573,7 +25573,7 @@
         <p:spPr>
           <a:xfrm>
             <a:off x="586440" y="1246680"/>
-            <a:ext cx="4003200" cy="3598920"/>
+            <a:ext cx="4002840" cy="3598560"/>
           </a:xfrm>
           <a:prstGeom prst="rect">
             <a:avLst/>
@@ -25625,7 +25625,7 @@
         <p:spPr>
           <a:xfrm>
             <a:off x="5446080" y="1672200"/>
-            <a:ext cx="2779200" cy="1736280"/>
+            <a:ext cx="2778840" cy="1735920"/>
           </a:xfrm>
           <a:prstGeom prst="rect">
             <a:avLst/>
@@ -25677,7 +25677,7 @@
         <p:spPr>
           <a:xfrm>
             <a:off x="586440" y="453960"/>
-            <a:ext cx="3695760" cy="854280"/>
+            <a:ext cx="3695400" cy="853920"/>
           </a:xfrm>
           <a:prstGeom prst="rect">
             <a:avLst/>
@@ -25766,7 +25766,7 @@
         <p:spPr>
           <a:xfrm>
             <a:off x="4222080" y="1246680"/>
-            <a:ext cx="4114080" cy="3598920"/>
+            <a:ext cx="4113720" cy="3598560"/>
           </a:xfrm>
           <a:prstGeom prst="rect">
             <a:avLst/>
@@ -25817,8 +25817,8 @@
         </p:nvSpPr>
         <p:spPr>
           <a:xfrm rot="16200000">
-            <a:off x="-2181600" y="1734480"/>
-            <a:ext cx="5142960" cy="1683000"/>
+            <a:off x="-2181600" y="1734840"/>
+            <a:ext cx="5142600" cy="1682640"/>
           </a:xfrm>
           <a:prstGeom prst="roundRect">
             <a:avLst>
@@ -25855,8 +25855,8 @@
         </p:nvSpPr>
         <p:spPr>
           <a:xfrm rot="2745000">
-            <a:off x="8575200" y="102960"/>
-            <a:ext cx="1131480" cy="1131120"/>
+            <a:off x="8575200" y="102600"/>
+            <a:ext cx="1131120" cy="1130760"/>
           </a:xfrm>
           <a:prstGeom prst="roundRect">
             <a:avLst>
@@ -25893,8 +25893,8 @@
         </p:nvSpPr>
         <p:spPr>
           <a:xfrm rot="16200000">
-            <a:off x="614880" y="919800"/>
-            <a:ext cx="3231000" cy="3312720"/>
+            <a:off x="614880" y="920160"/>
+            <a:ext cx="3230640" cy="3312360"/>
           </a:xfrm>
           <a:prstGeom prst="roundRect">
             <a:avLst>
@@ -25960,7 +25960,7 @@
         <p:spPr>
           <a:xfrm>
             <a:off x="4214160" y="456120"/>
-            <a:ext cx="4110840" cy="854280"/>
+            <a:ext cx="4110480" cy="853920"/>
           </a:xfrm>
           <a:prstGeom prst="rect">
             <a:avLst/>
